--- a/Documentation/Presentations/Hotspotter Beta.pptx
+++ b/Documentation/Presentations/Hotspotter Beta.pptx
@@ -2,7 +2,7 @@
 <file path=ppt/presentation.xml><?xml version="1.0" encoding="utf-8"?>
 <p:presentation xmlns:a="http://schemas.openxmlformats.org/drawingml/2006/main" xmlns:r="http://schemas.openxmlformats.org/officeDocument/2006/relationships" xmlns:p="http://schemas.openxmlformats.org/presentationml/2006/main" showSpecialPlsOnTitleSld="0" saveSubsetFonts="1">
   <p:sldMasterIdLst>
-    <p:sldMasterId id="2147483648" r:id="rId1"/>
+    <p:sldMasterId id="2147483660" r:id="rId1"/>
   </p:sldMasterIdLst>
   <p:notesMasterIdLst>
     <p:notesMasterId r:id="rId8"/>
@@ -112,6 +112,11 @@
       </a:defRPr>
     </a:lvl9pPr>
   </p:defaultTextStyle>
+  <p:extLst>
+    <p:ext uri="{EFAFB233-063F-42B5-8137-9DF3F51BA10A}">
+      <p15:sldGuideLst xmlns:p15="http://schemas.microsoft.com/office/powerpoint/2012/main"/>
+    </p:ext>
+  </p:extLst>
 </p:presentation>
 </file>
 
@@ -197,7 +202,7 @@
           <a:p>
             <a:fld id="{7DF59A75-F854-459D-98A5-FA54FBBFCE1A}" type="datetimeFigureOut">
               <a:rPr lang="en-US" smtClean="0"/>
-              <a:t>2/29/2016</a:t>
+              <a:t>02/29/2016</a:t>
             </a:fld>
             <a:endParaRPr lang="en-US"/>
           </a:p>
@@ -549,9 +554,9 @@
 </p:notes>
 </file>
 
-<file path=ppt/slideLayouts/slideLayout1.xml><?xml version="1.0" encoding="utf-8"?>
-<p:sldLayout xmlns:a="http://schemas.openxmlformats.org/drawingml/2006/main" xmlns:r="http://schemas.openxmlformats.org/officeDocument/2006/relationships" xmlns:p="http://schemas.openxmlformats.org/presentationml/2006/main" type="title" preserve="1">
-  <p:cSld name="Title Slide">
+<file path=ppt/notesSlides/notesSlide2.xml><?xml version="1.0" encoding="utf-8"?>
+<p:notes xmlns:a="http://schemas.openxmlformats.org/drawingml/2006/main" xmlns:r="http://schemas.openxmlformats.org/officeDocument/2006/relationships" xmlns:p="http://schemas.openxmlformats.org/presentationml/2006/main">
+  <p:cSld>
     <p:spTree>
       <p:nvGrpSpPr>
         <p:cNvPr id="1" name=""/>
@@ -568,165 +573,53 @@
       </p:grpSpPr>
       <p:sp>
         <p:nvSpPr>
-          <p:cNvPr id="2" name="Title 1"/>
-          <p:cNvSpPr>
-            <a:spLocks noGrp="1"/>
-          </p:cNvSpPr>
-          <p:nvPr>
-            <p:ph type="ctrTitle"/>
-          </p:nvPr>
-        </p:nvSpPr>
-        <p:spPr>
-          <a:xfrm>
-            <a:off x="1524000" y="1122363"/>
-            <a:ext cx="9144000" cy="2387600"/>
-          </a:xfrm>
-        </p:spPr>
-        <p:txBody>
-          <a:bodyPr anchor="b"/>
-          <a:lstStyle>
-            <a:lvl1pPr algn="ctr">
-              <a:defRPr sz="6000"/>
-            </a:lvl1pPr>
-          </a:lstStyle>
-          <a:p>
-            <a:r>
-              <a:rPr lang="en-US" smtClean="0"/>
-              <a:t>Click to edit Master title style</a:t>
-            </a:r>
+          <p:cNvPr id="2" name="Slide Image Placeholder 1"/>
+          <p:cNvSpPr>
+            <a:spLocks noGrp="1" noRot="1" noChangeAspect="1"/>
+          </p:cNvSpPr>
+          <p:nvPr>
+            <p:ph type="sldImg"/>
+          </p:nvPr>
+        </p:nvSpPr>
+        <p:spPr/>
+      </p:sp>
+      <p:sp>
+        <p:nvSpPr>
+          <p:cNvPr id="3" name="Notes Placeholder 2"/>
+          <p:cNvSpPr>
+            <a:spLocks noGrp="1"/>
+          </p:cNvSpPr>
+          <p:nvPr>
+            <p:ph type="body" idx="1"/>
+          </p:nvPr>
+        </p:nvSpPr>
+        <p:spPr/>
+        <p:txBody>
+          <a:bodyPr/>
+          <a:lstStyle/>
+          <a:p>
             <a:endParaRPr lang="en-US"/>
           </a:p>
         </p:txBody>
       </p:sp>
       <p:sp>
         <p:nvSpPr>
-          <p:cNvPr id="3" name="Subtitle 2"/>
-          <p:cNvSpPr>
-            <a:spLocks noGrp="1"/>
-          </p:cNvSpPr>
-          <p:nvPr>
-            <p:ph type="subTitle" idx="1"/>
-          </p:nvPr>
-        </p:nvSpPr>
-        <p:spPr>
-          <a:xfrm>
-            <a:off x="1524000" y="3602038"/>
-            <a:ext cx="9144000" cy="1655762"/>
-          </a:xfrm>
-        </p:spPr>
-        <p:txBody>
-          <a:bodyPr/>
-          <a:lstStyle>
-            <a:lvl1pPr marL="0" indent="0" algn="ctr">
-              <a:buNone/>
-              <a:defRPr sz="2400"/>
-            </a:lvl1pPr>
-            <a:lvl2pPr marL="457200" indent="0" algn="ctr">
-              <a:buNone/>
-              <a:defRPr sz="2000"/>
-            </a:lvl2pPr>
-            <a:lvl3pPr marL="914400" indent="0" algn="ctr">
-              <a:buNone/>
-              <a:defRPr sz="1800"/>
-            </a:lvl3pPr>
-            <a:lvl4pPr marL="1371600" indent="0" algn="ctr">
-              <a:buNone/>
-              <a:defRPr sz="1600"/>
-            </a:lvl4pPr>
-            <a:lvl5pPr marL="1828800" indent="0" algn="ctr">
-              <a:buNone/>
-              <a:defRPr sz="1600"/>
-            </a:lvl5pPr>
-            <a:lvl6pPr marL="2286000" indent="0" algn="ctr">
-              <a:buNone/>
-              <a:defRPr sz="1600"/>
-            </a:lvl6pPr>
-            <a:lvl7pPr marL="2743200" indent="0" algn="ctr">
-              <a:buNone/>
-              <a:defRPr sz="1600"/>
-            </a:lvl7pPr>
-            <a:lvl8pPr marL="3200400" indent="0" algn="ctr">
-              <a:buNone/>
-              <a:defRPr sz="1600"/>
-            </a:lvl8pPr>
-            <a:lvl9pPr marL="3657600" indent="0" algn="ctr">
-              <a:buNone/>
-              <a:defRPr sz="1600"/>
-            </a:lvl9pPr>
-          </a:lstStyle>
-          <a:p>
-            <a:r>
-              <a:rPr lang="en-US" smtClean="0"/>
-              <a:t>Click to edit Master subtitle style</a:t>
-            </a:r>
-            <a:endParaRPr lang="en-US"/>
-          </a:p>
-        </p:txBody>
-      </p:sp>
-      <p:sp>
-        <p:nvSpPr>
-          <p:cNvPr id="4" name="Date Placeholder 3"/>
-          <p:cNvSpPr>
-            <a:spLocks noGrp="1"/>
-          </p:cNvSpPr>
-          <p:nvPr>
-            <p:ph type="dt" sz="half" idx="10"/>
-          </p:nvPr>
-        </p:nvSpPr>
-        <p:spPr/>
-        <p:txBody>
-          <a:bodyPr/>
-          <a:lstStyle/>
-          <a:p>
-            <a:fld id="{4974B8CC-6680-4B6E-A298-93D654127A60}" type="datetime1">
-              <a:rPr lang="en-US" smtClean="0"/>
-              <a:t>2/29/2016</a:t>
-            </a:fld>
-            <a:endParaRPr lang="en-US"/>
-          </a:p>
-        </p:txBody>
-      </p:sp>
-      <p:sp>
-        <p:nvSpPr>
-          <p:cNvPr id="5" name="Footer Placeholder 4"/>
-          <p:cNvSpPr>
-            <a:spLocks noGrp="1"/>
-          </p:cNvSpPr>
-          <p:nvPr>
-            <p:ph type="ftr" sz="quarter" idx="11"/>
-          </p:nvPr>
-        </p:nvSpPr>
-        <p:spPr/>
-        <p:txBody>
-          <a:bodyPr/>
-          <a:lstStyle/>
-          <a:p>
-            <a:r>
-              <a:rPr lang="en-US" smtClean="0"/>
-              <a:t>Team Hotspotter</a:t>
-            </a:r>
-            <a:endParaRPr lang="en-US"/>
-          </a:p>
-        </p:txBody>
-      </p:sp>
-      <p:sp>
-        <p:nvSpPr>
-          <p:cNvPr id="6" name="Slide Number Placeholder 5"/>
-          <p:cNvSpPr>
-            <a:spLocks noGrp="1"/>
-          </p:cNvSpPr>
-          <p:nvPr>
-            <p:ph type="sldNum" sz="quarter" idx="12"/>
-          </p:nvPr>
-        </p:nvSpPr>
-        <p:spPr/>
-        <p:txBody>
-          <a:bodyPr/>
-          <a:lstStyle/>
-          <a:p>
-            <a:fld id="{04C23D7F-32AA-4032-9BE0-41E1EC08D48C}" type="slidenum">
-              <a:rPr lang="en-US" smtClean="0"/>
-              <a:t>‹#›</a:t>
+          <p:cNvPr id="4" name="Slide Number Placeholder 3"/>
+          <p:cNvSpPr>
+            <a:spLocks noGrp="1"/>
+          </p:cNvSpPr>
+          <p:nvPr>
+            <p:ph type="sldNum" sz="quarter" idx="10"/>
+          </p:nvPr>
+        </p:nvSpPr>
+        <p:spPr/>
+        <p:txBody>
+          <a:bodyPr/>
+          <a:lstStyle/>
+          <a:p>
+            <a:fld id="{86DF980A-9337-4670-94CA-C9C8AA236F5F}" type="slidenum">
+              <a:rPr lang="en-US" smtClean="0"/>
+              <a:t>5</a:t>
             </a:fld>
             <a:endParaRPr lang="en-US"/>
           </a:p>
@@ -735,13 +628,346 @@
     </p:spTree>
     <p:extLst>
       <p:ext uri="{BB962C8B-B14F-4D97-AF65-F5344CB8AC3E}">
-        <p14:creationId xmlns:p14="http://schemas.microsoft.com/office/powerpoint/2010/main" val="3234873874"/>
+        <p14:creationId xmlns:p14="http://schemas.microsoft.com/office/powerpoint/2010/main" val="3981027475"/>
       </p:ext>
     </p:extLst>
   </p:cSld>
   <p:clrMapOvr>
     <a:masterClrMapping/>
   </p:clrMapOvr>
+</p:notes>
+</file>
+
+<file path=ppt/slideLayouts/slideLayout1.xml><?xml version="1.0" encoding="utf-8"?>
+<p:sldLayout xmlns:a="http://schemas.openxmlformats.org/drawingml/2006/main" xmlns:r="http://schemas.openxmlformats.org/officeDocument/2006/relationships" xmlns:p="http://schemas.openxmlformats.org/presentationml/2006/main" showMasterSp="0" type="title" preserve="1">
+  <p:cSld name="Title Slide">
+    <p:bg>
+      <p:bgRef idx="1001">
+        <a:schemeClr val="bg1"/>
+      </p:bgRef>
+    </p:bg>
+    <p:spTree>
+      <p:nvGrpSpPr>
+        <p:cNvPr id="1" name=""/>
+        <p:cNvGrpSpPr/>
+        <p:nvPr/>
+      </p:nvGrpSpPr>
+      <p:grpSpPr>
+        <a:xfrm>
+          <a:off x="0" y="0"/>
+          <a:ext cx="0" cy="0"/>
+          <a:chOff x="0" y="0"/>
+          <a:chExt cx="0" cy="0"/>
+        </a:xfrm>
+      </p:grpSpPr>
+      <p:sp>
+        <p:nvSpPr>
+          <p:cNvPr id="8" name="Rectangle 7"/>
+          <p:cNvSpPr/>
+          <p:nvPr/>
+        </p:nvSpPr>
+        <p:spPr>
+          <a:xfrm>
+            <a:off x="-6843" y="3887812"/>
+            <a:ext cx="12195668" cy="457200"/>
+          </a:xfrm>
+          <a:prstGeom prst="rect">
+            <a:avLst/>
+          </a:prstGeom>
+          <a:solidFill>
+            <a:schemeClr val="accent1"/>
+          </a:solidFill>
+          <a:ln>
+            <a:noFill/>
+          </a:ln>
+        </p:spPr>
+        <p:style>
+          <a:lnRef idx="2">
+            <a:schemeClr val="accent1">
+              <a:shade val="50000"/>
+            </a:schemeClr>
+          </a:lnRef>
+          <a:fillRef idx="1">
+            <a:schemeClr val="accent1"/>
+          </a:fillRef>
+          <a:effectRef idx="0">
+            <a:schemeClr val="accent1"/>
+          </a:effectRef>
+          <a:fontRef idx="minor">
+            <a:schemeClr val="lt1"/>
+          </a:fontRef>
+        </p:style>
+      </p:sp>
+      <p:sp>
+        <p:nvSpPr>
+          <p:cNvPr id="7" name="Rectangle 6"/>
+          <p:cNvSpPr/>
+          <p:nvPr/>
+        </p:nvSpPr>
+        <p:spPr>
+          <a:xfrm>
+            <a:off x="-6843" y="2059012"/>
+            <a:ext cx="12195668" cy="1828800"/>
+          </a:xfrm>
+          <a:prstGeom prst="rect">
+            <a:avLst/>
+          </a:prstGeom>
+          <a:solidFill>
+            <a:schemeClr val="tx2"/>
+          </a:solidFill>
+          <a:ln>
+            <a:noFill/>
+          </a:ln>
+        </p:spPr>
+        <p:style>
+          <a:lnRef idx="2">
+            <a:schemeClr val="accent1">
+              <a:shade val="50000"/>
+            </a:schemeClr>
+          </a:lnRef>
+          <a:fillRef idx="1">
+            <a:schemeClr val="accent1"/>
+          </a:fillRef>
+          <a:effectRef idx="0">
+            <a:schemeClr val="accent1"/>
+          </a:effectRef>
+          <a:fontRef idx="minor">
+            <a:schemeClr val="lt1"/>
+          </a:fontRef>
+        </p:style>
+      </p:sp>
+      <p:sp>
+        <p:nvSpPr>
+          <p:cNvPr id="2" name="Title 1"/>
+          <p:cNvSpPr>
+            <a:spLocks noGrp="1"/>
+          </p:cNvSpPr>
+          <p:nvPr>
+            <p:ph type="ctrTitle"/>
+          </p:nvPr>
+        </p:nvSpPr>
+        <p:spPr>
+          <a:xfrm>
+            <a:off x="475488" y="2166366"/>
+            <a:ext cx="11247120" cy="1739347"/>
+          </a:xfrm>
+        </p:spPr>
+        <p:txBody>
+          <a:bodyPr tIns="45720" bIns="45720" anchor="ctr">
+            <a:normAutofit/>
+          </a:bodyPr>
+          <a:lstStyle>
+            <a:lvl1pPr algn="ctr">
+              <a:lnSpc>
+                <a:spcPct val="80000"/>
+              </a:lnSpc>
+              <a:defRPr sz="5998" spc="150" baseline="0">
+                <a:solidFill>
+                  <a:schemeClr val="bg1"/>
+                </a:solidFill>
+              </a:defRPr>
+            </a:lvl1pPr>
+          </a:lstStyle>
+          <a:p>
+            <a:r>
+              <a:rPr lang="en-US" smtClean="0"/>
+              <a:t>Click to edit Master title style</a:t>
+            </a:r>
+            <a:endParaRPr lang="en-US" dirty="0"/>
+          </a:p>
+        </p:txBody>
+      </p:sp>
+      <p:sp>
+        <p:nvSpPr>
+          <p:cNvPr id="3" name="Subtitle 2"/>
+          <p:cNvSpPr>
+            <a:spLocks noGrp="1"/>
+          </p:cNvSpPr>
+          <p:nvPr>
+            <p:ph type="subTitle" idx="1"/>
+          </p:nvPr>
+        </p:nvSpPr>
+        <p:spPr>
+          <a:xfrm>
+            <a:off x="347472" y="3913632"/>
+            <a:ext cx="11506200" cy="457200"/>
+          </a:xfrm>
+        </p:spPr>
+        <p:txBody>
+          <a:bodyPr>
+            <a:normAutofit/>
+          </a:bodyPr>
+          <a:lstStyle>
+            <a:lvl1pPr marL="0" indent="0" algn="ctr">
+              <a:spcBef>
+                <a:spcPts val="0"/>
+              </a:spcBef>
+              <a:spcAft>
+                <a:spcPts val="0"/>
+              </a:spcAft>
+              <a:buNone/>
+              <a:defRPr sz="1999">
+                <a:solidFill>
+                  <a:srgbClr val="FFFFFF"/>
+                </a:solidFill>
+              </a:defRPr>
+            </a:lvl1pPr>
+            <a:lvl2pPr marL="457063" indent="0" algn="ctr">
+              <a:buNone/>
+              <a:defRPr sz="1999"/>
+            </a:lvl2pPr>
+            <a:lvl3pPr marL="914126" indent="0" algn="ctr">
+              <a:buNone/>
+              <a:defRPr sz="1999"/>
+            </a:lvl3pPr>
+            <a:lvl4pPr marL="1371189" indent="0" algn="ctr">
+              <a:buNone/>
+              <a:defRPr sz="1999"/>
+            </a:lvl4pPr>
+            <a:lvl5pPr marL="1828251" indent="0" algn="ctr">
+              <a:buNone/>
+              <a:defRPr sz="1999"/>
+            </a:lvl5pPr>
+            <a:lvl6pPr marL="2285314" indent="0" algn="ctr">
+              <a:buNone/>
+              <a:defRPr sz="1999"/>
+            </a:lvl6pPr>
+            <a:lvl7pPr marL="2742377" indent="0" algn="ctr">
+              <a:buNone/>
+              <a:defRPr sz="1999"/>
+            </a:lvl7pPr>
+            <a:lvl8pPr marL="3199440" indent="0" algn="ctr">
+              <a:buNone/>
+              <a:defRPr sz="1999"/>
+            </a:lvl8pPr>
+            <a:lvl9pPr marL="3656503" indent="0" algn="ctr">
+              <a:buNone/>
+              <a:defRPr sz="1999"/>
+            </a:lvl9pPr>
+          </a:lstStyle>
+          <a:p>
+            <a:r>
+              <a:rPr lang="en-US" smtClean="0"/>
+              <a:t>Click to edit Master subtitle style</a:t>
+            </a:r>
+            <a:endParaRPr lang="en-US" dirty="0"/>
+          </a:p>
+        </p:txBody>
+      </p:sp>
+      <p:sp>
+        <p:nvSpPr>
+          <p:cNvPr id="4" name="Date Placeholder 3"/>
+          <p:cNvSpPr>
+            <a:spLocks noGrp="1"/>
+          </p:cNvSpPr>
+          <p:nvPr>
+            <p:ph type="dt" sz="half" idx="10"/>
+          </p:nvPr>
+        </p:nvSpPr>
+        <p:spPr/>
+        <p:txBody>
+          <a:bodyPr/>
+          <a:lstStyle/>
+          <a:p>
+            <a:fld id="{19000F5A-F125-468E-B9FE-77E3A8877FCC}" type="datetime1">
+              <a:rPr lang="en-US" smtClean="0"/>
+              <a:t>02/29/2016</a:t>
+            </a:fld>
+            <a:endParaRPr lang="en-US"/>
+          </a:p>
+        </p:txBody>
+      </p:sp>
+      <p:sp>
+        <p:nvSpPr>
+          <p:cNvPr id="5" name="Footer Placeholder 4"/>
+          <p:cNvSpPr>
+            <a:spLocks noGrp="1"/>
+          </p:cNvSpPr>
+          <p:nvPr>
+            <p:ph type="ftr" sz="quarter" idx="11"/>
+          </p:nvPr>
+        </p:nvSpPr>
+        <p:spPr/>
+        <p:txBody>
+          <a:bodyPr/>
+          <a:lstStyle/>
+          <a:p>
+            <a:r>
+              <a:rPr lang="en-US" smtClean="0"/>
+              <a:t>Team Hotspotter</a:t>
+            </a:r>
+            <a:endParaRPr lang="en-US"/>
+          </a:p>
+        </p:txBody>
+      </p:sp>
+      <p:sp>
+        <p:nvSpPr>
+          <p:cNvPr id="6" name="Slide Number Placeholder 5"/>
+          <p:cNvSpPr>
+            <a:spLocks noGrp="1"/>
+          </p:cNvSpPr>
+          <p:nvPr>
+            <p:ph type="sldNum" sz="quarter" idx="12"/>
+          </p:nvPr>
+        </p:nvSpPr>
+        <p:spPr/>
+        <p:txBody>
+          <a:bodyPr/>
+          <a:lstStyle/>
+          <a:p>
+            <a:fld id="{04C23D7F-32AA-4032-9BE0-41E1EC08D48C}" type="slidenum">
+              <a:rPr lang="en-US" smtClean="0"/>
+              <a:t>‹#›</a:t>
+            </a:fld>
+            <a:endParaRPr lang="en-US"/>
+          </a:p>
+        </p:txBody>
+      </p:sp>
+    </p:spTree>
+    <p:extLst>
+      <p:ext uri="{BB962C8B-B14F-4D97-AF65-F5344CB8AC3E}">
+        <p14:creationId xmlns:p14="http://schemas.microsoft.com/office/powerpoint/2010/main" val="3513421736"/>
+      </p:ext>
+    </p:extLst>
+  </p:cSld>
+  <p:clrMapOvr>
+    <a:overrideClrMapping bg1="lt1" tx1="dk1" bg2="lt2" tx2="dk2" accent1="accent1" accent2="accent2" accent3="accent3" accent4="accent4" accent5="accent5" accent6="accent6" hlink="hlink" folHlink="folHlink"/>
+  </p:clrMapOvr>
+  <mc:AlternateContent xmlns:mc="http://schemas.openxmlformats.org/markup-compatibility/2006" xmlns:p14="http://schemas.microsoft.com/office/powerpoint/2010/main">
+    <mc:Choice Requires="p14">
+      <p:transition spd="med" p14:dur="700">
+        <p:fade/>
+      </p:transition>
+    </mc:Choice>
+    <mc:Fallback xmlns="">
+      <p:transition spd="med">
+        <p:fade/>
+      </p:transition>
+    </mc:Fallback>
+  </mc:AlternateContent>
+  <p:timing>
+    <p:tnLst>
+      <p:par>
+        <p:cTn id="1" dur="indefinite" restart="never" nodeType="tmRoot"/>
+      </p:par>
+    </p:tnLst>
+  </p:timing>
+  <p:extLst mod="1">
+    <p:ext uri="{DCECCB84-F9BA-43D5-87BE-67443E8EF086}">
+      <p15:sldGuideLst xmlns:p15="http://schemas.microsoft.com/office/powerpoint/2012/main">
+        <p15:guide id="4294967295" orient="horz" pos="2160">
+          <p15:clr>
+            <a:srgbClr val="FBAE40"/>
+          </p15:clr>
+        </p15:guide>
+        <p15:guide id="4294967295" pos="3839">
+          <p15:clr>
+            <a:srgbClr val="FBAE40"/>
+          </p15:clr>
+        </p15:guide>
+      </p15:sldGuideLst>
+    </p:ext>
+  </p:extLst>
 </p:sldLayout>
 </file>
 
@@ -781,7 +1007,7 @@
               <a:rPr lang="en-US" smtClean="0"/>
               <a:t>Click to edit Master title style</a:t>
             </a:r>
-            <a:endParaRPr lang="en-US"/>
+            <a:endParaRPr lang="en-US" dirty="0"/>
           </a:p>
         </p:txBody>
       </p:sp>
@@ -833,7 +1059,7 @@
               <a:rPr lang="en-US" smtClean="0"/>
               <a:t>Fifth level</a:t>
             </a:r>
-            <a:endParaRPr lang="en-US"/>
+            <a:endParaRPr lang="en-US" dirty="0"/>
           </a:p>
         </p:txBody>
       </p:sp>
@@ -852,9 +1078,9 @@
           <a:bodyPr/>
           <a:lstStyle/>
           <a:p>
-            <a:fld id="{38218774-3B77-46B7-8218-D03818486909}" type="datetime1">
-              <a:rPr lang="en-US" smtClean="0"/>
-              <a:t>2/29/2016</a:t>
+            <a:fld id="{A955C3F7-9B27-4656-BF88-305A01BB2CCC}" type="datetime1">
+              <a:rPr lang="en-US" smtClean="0"/>
+              <a:t>02/29/2016</a:t>
             </a:fld>
             <a:endParaRPr lang="en-US"/>
           </a:p>
@@ -909,18 +1135,37 @@
     </p:spTree>
     <p:extLst>
       <p:ext uri="{BB962C8B-B14F-4D97-AF65-F5344CB8AC3E}">
-        <p14:creationId xmlns:p14="http://schemas.microsoft.com/office/powerpoint/2010/main" val="1517407017"/>
+        <p14:creationId xmlns:p14="http://schemas.microsoft.com/office/powerpoint/2010/main" val="2761263065"/>
       </p:ext>
     </p:extLst>
   </p:cSld>
   <p:clrMapOvr>
     <a:masterClrMapping/>
   </p:clrMapOvr>
+  <mc:AlternateContent xmlns:mc="http://schemas.openxmlformats.org/markup-compatibility/2006" xmlns:p14="http://schemas.microsoft.com/office/powerpoint/2010/main">
+    <mc:Choice Requires="p14">
+      <p:transition spd="med" p14:dur="700">
+        <p:fade/>
+      </p:transition>
+    </mc:Choice>
+    <mc:Fallback xmlns="">
+      <p:transition spd="med">
+        <p:fade/>
+      </p:transition>
+    </mc:Fallback>
+  </mc:AlternateContent>
+  <p:timing>
+    <p:tnLst>
+      <p:par>
+        <p:cTn id="1" dur="indefinite" restart="never" nodeType="tmRoot"/>
+      </p:par>
+    </p:tnLst>
+  </p:timing>
 </p:sldLayout>
 </file>
 
 <file path=ppt/slideLayouts/slideLayout11.xml><?xml version="1.0" encoding="utf-8"?>
-<p:sldLayout xmlns:a="http://schemas.openxmlformats.org/drawingml/2006/main" xmlns:r="http://schemas.openxmlformats.org/officeDocument/2006/relationships" xmlns:p="http://schemas.openxmlformats.org/presentationml/2006/main" type="vertTitleAndTx" preserve="1">
+<p:sldLayout xmlns:a="http://schemas.openxmlformats.org/drawingml/2006/main" xmlns:r="http://schemas.openxmlformats.org/officeDocument/2006/relationships" xmlns:p="http://schemas.openxmlformats.org/presentationml/2006/main" showMasterSp="0" type="vertTitleAndTx" preserve="1">
   <p:cSld name="Vertical Title and Text">
     <p:spTree>
       <p:nvGrpSpPr>
@@ -938,18 +1183,56 @@
       </p:grpSpPr>
       <p:sp>
         <p:nvSpPr>
-          <p:cNvPr id="2" name="Vertical Title 1"/>
-          <p:cNvSpPr>
-            <a:spLocks noGrp="1"/>
-          </p:cNvSpPr>
-          <p:nvPr>
-            <p:ph type="title" orient="vert"/>
-          </p:nvPr>
+          <p:cNvPr id="7" name="Rectangle 6"/>
+          <p:cNvSpPr/>
+          <p:nvPr/>
         </p:nvSpPr>
         <p:spPr>
           <a:xfrm>
-            <a:off x="8724900" y="365125"/>
-            <a:ext cx="2628900" cy="5811838"/>
+            <a:off x="9019312" y="0"/>
+            <a:ext cx="2743200" cy="6858000"/>
+          </a:xfrm>
+          <a:prstGeom prst="rect">
+            <a:avLst/>
+          </a:prstGeom>
+          <a:solidFill>
+            <a:schemeClr val="tx1"/>
+          </a:solidFill>
+          <a:ln>
+            <a:noFill/>
+          </a:ln>
+        </p:spPr>
+        <p:style>
+          <a:lnRef idx="2">
+            <a:schemeClr val="accent1">
+              <a:shade val="50000"/>
+            </a:schemeClr>
+          </a:lnRef>
+          <a:fillRef idx="1">
+            <a:schemeClr val="accent1"/>
+          </a:fillRef>
+          <a:effectRef idx="0">
+            <a:schemeClr val="accent1"/>
+          </a:effectRef>
+          <a:fontRef idx="minor">
+            <a:schemeClr val="lt1"/>
+          </a:fontRef>
+        </p:style>
+      </p:sp>
+      <p:sp>
+        <p:nvSpPr>
+          <p:cNvPr id="2" name="Vertical Title 1"/>
+          <p:cNvSpPr>
+            <a:spLocks noGrp="1"/>
+          </p:cNvSpPr>
+          <p:nvPr>
+            <p:ph type="title" orient="vert"/>
+          </p:nvPr>
+        </p:nvSpPr>
+        <p:spPr>
+          <a:xfrm>
+            <a:off x="9160624" y="274638"/>
+            <a:ext cx="2402380" cy="5897562"/>
           </a:xfrm>
         </p:spPr>
         <p:txBody>
@@ -960,7 +1243,7 @@
               <a:rPr lang="en-US" smtClean="0"/>
               <a:t>Click to edit Master title style</a:t>
             </a:r>
-            <a:endParaRPr lang="en-US"/>
+            <a:endParaRPr lang="en-US" dirty="0"/>
           </a:p>
         </p:txBody>
       </p:sp>
@@ -976,8 +1259,8 @@
         </p:nvSpPr>
         <p:spPr>
           <a:xfrm>
-            <a:off x="838200" y="365125"/>
-            <a:ext cx="7734300" cy="5811838"/>
+            <a:off x="838200" y="274638"/>
+            <a:ext cx="7973291" cy="5897562"/>
           </a:xfrm>
         </p:spPr>
         <p:txBody>
@@ -1017,7 +1300,7 @@
               <a:rPr lang="en-US" smtClean="0"/>
               <a:t>Fifth level</a:t>
             </a:r>
-            <a:endParaRPr lang="en-US"/>
+            <a:endParaRPr lang="en-US" dirty="0"/>
           </a:p>
         </p:txBody>
       </p:sp>
@@ -1031,14 +1314,19 @@
             <p:ph type="dt" sz="half" idx="10"/>
           </p:nvPr>
         </p:nvSpPr>
-        <p:spPr/>
-        <p:txBody>
-          <a:bodyPr/>
-          <a:lstStyle/>
-          <a:p>
-            <a:fld id="{79F33B96-7874-4577-BD2F-114DA2546D93}" type="datetime1">
-              <a:rPr lang="en-US" smtClean="0"/>
-              <a:t>2/29/2016</a:t>
+        <p:spPr>
+          <a:xfrm>
+            <a:off x="838200" y="6422856"/>
+            <a:ext cx="2743196" cy="365125"/>
+          </a:xfrm>
+        </p:spPr>
+        <p:txBody>
+          <a:bodyPr/>
+          <a:lstStyle/>
+          <a:p>
+            <a:fld id="{28CC904B-82F9-4C07-9ECD-A856FFBB89DE}" type="datetime1">
+              <a:rPr lang="en-US" smtClean="0"/>
+              <a:t>02/29/2016</a:t>
             </a:fld>
             <a:endParaRPr lang="en-US"/>
           </a:p>
@@ -1054,7 +1342,12 @@
             <p:ph type="ftr" sz="quarter" idx="11"/>
           </p:nvPr>
         </p:nvSpPr>
-        <p:spPr/>
+        <p:spPr>
+          <a:xfrm>
+            <a:off x="3776136" y="6422856"/>
+            <a:ext cx="4279669" cy="365125"/>
+          </a:xfrm>
+        </p:spPr>
         <p:txBody>
           <a:bodyPr/>
           <a:lstStyle/>
@@ -1077,7 +1370,12 @@
             <p:ph type="sldNum" sz="quarter" idx="12"/>
           </p:nvPr>
         </p:nvSpPr>
-        <p:spPr/>
+        <p:spPr>
+          <a:xfrm>
+            <a:off x="8073048" y="6422856"/>
+            <a:ext cx="879759" cy="365125"/>
+          </a:xfrm>
+        </p:spPr>
         <p:txBody>
           <a:bodyPr/>
           <a:lstStyle/>
@@ -1093,13 +1391,32 @@
     </p:spTree>
     <p:extLst>
       <p:ext uri="{BB962C8B-B14F-4D97-AF65-F5344CB8AC3E}">
-        <p14:creationId xmlns:p14="http://schemas.microsoft.com/office/powerpoint/2010/main" val="1901701242"/>
+        <p14:creationId xmlns:p14="http://schemas.microsoft.com/office/powerpoint/2010/main" val="1000719391"/>
       </p:ext>
     </p:extLst>
   </p:cSld>
   <p:clrMapOvr>
     <a:masterClrMapping/>
   </p:clrMapOvr>
+  <mc:AlternateContent xmlns:mc="http://schemas.openxmlformats.org/markup-compatibility/2006" xmlns:p14="http://schemas.microsoft.com/office/powerpoint/2010/main">
+    <mc:Choice Requires="p14">
+      <p:transition spd="med" p14:dur="700">
+        <p:fade/>
+      </p:transition>
+    </mc:Choice>
+    <mc:Fallback xmlns="">
+      <p:transition spd="med">
+        <p:fade/>
+      </p:transition>
+    </mc:Fallback>
+  </mc:AlternateContent>
+  <p:timing>
+    <p:tnLst>
+      <p:par>
+        <p:cTn id="1" dur="indefinite" restart="never" nodeType="tmRoot"/>
+      </p:par>
+    </p:tnLst>
+  </p:timing>
 </p:sldLayout>
 </file>
 
@@ -1139,7 +1456,7 @@
               <a:rPr lang="en-US" smtClean="0"/>
               <a:t>Click to edit Master title style</a:t>
             </a:r>
-            <a:endParaRPr lang="en-US"/>
+            <a:endParaRPr lang="en-US" dirty="0"/>
           </a:p>
         </p:txBody>
       </p:sp>
@@ -1191,7 +1508,7 @@
               <a:rPr lang="en-US" smtClean="0"/>
               <a:t>Fifth level</a:t>
             </a:r>
-            <a:endParaRPr lang="en-US"/>
+            <a:endParaRPr lang="en-US" dirty="0"/>
           </a:p>
         </p:txBody>
       </p:sp>
@@ -1210,9 +1527,9 @@
           <a:bodyPr/>
           <a:lstStyle/>
           <a:p>
-            <a:fld id="{F9A82974-9BAC-4957-9A53-7F29158961FE}" type="datetime1">
-              <a:rPr lang="en-US" smtClean="0"/>
-              <a:t>2/29/2016</a:t>
+            <a:fld id="{EEEDA023-FE86-427C-A11B-CF966E30CFBC}" type="datetime1">
+              <a:rPr lang="en-US" smtClean="0"/>
+              <a:t>02/29/2016</a:t>
             </a:fld>
             <a:endParaRPr lang="en-US"/>
           </a:p>
@@ -1267,19 +1584,43 @@
     </p:spTree>
     <p:extLst>
       <p:ext uri="{BB962C8B-B14F-4D97-AF65-F5344CB8AC3E}">
-        <p14:creationId xmlns:p14="http://schemas.microsoft.com/office/powerpoint/2010/main" val="639449764"/>
+        <p14:creationId xmlns:p14="http://schemas.microsoft.com/office/powerpoint/2010/main" val="193470228"/>
       </p:ext>
     </p:extLst>
   </p:cSld>
   <p:clrMapOvr>
     <a:masterClrMapping/>
   </p:clrMapOvr>
+  <mc:AlternateContent xmlns:mc="http://schemas.openxmlformats.org/markup-compatibility/2006" xmlns:p14="http://schemas.microsoft.com/office/powerpoint/2010/main">
+    <mc:Choice Requires="p14">
+      <p:transition spd="med" p14:dur="700">
+        <p:fade/>
+      </p:transition>
+    </mc:Choice>
+    <mc:Fallback xmlns="">
+      <p:transition spd="med">
+        <p:fade/>
+      </p:transition>
+    </mc:Fallback>
+  </mc:AlternateContent>
+  <p:timing>
+    <p:tnLst>
+      <p:par>
+        <p:cTn id="1" dur="indefinite" restart="never" nodeType="tmRoot"/>
+      </p:par>
+    </p:tnLst>
+  </p:timing>
 </p:sldLayout>
 </file>
 
 <file path=ppt/slideLayouts/slideLayout3.xml><?xml version="1.0" encoding="utf-8"?>
-<p:sldLayout xmlns:a="http://schemas.openxmlformats.org/drawingml/2006/main" xmlns:r="http://schemas.openxmlformats.org/officeDocument/2006/relationships" xmlns:p="http://schemas.openxmlformats.org/presentationml/2006/main" type="secHead" preserve="1">
+<p:sldLayout xmlns:a="http://schemas.openxmlformats.org/drawingml/2006/main" xmlns:r="http://schemas.openxmlformats.org/officeDocument/2006/relationships" xmlns:p="http://schemas.openxmlformats.org/presentationml/2006/main" showMasterSp="0" type="secHead" preserve="1">
   <p:cSld name="Section Header">
+    <p:bg>
+      <p:bgRef idx="1001">
+        <a:schemeClr val="bg1"/>
+      </p:bgRef>
+    </p:bg>
     <p:spTree>
       <p:nvGrpSpPr>
         <p:cNvPr id="1" name=""/>
@@ -1296,68 +1637,153 @@
       </p:grpSpPr>
       <p:sp>
         <p:nvSpPr>
-          <p:cNvPr id="2" name="Title 1"/>
-          <p:cNvSpPr>
-            <a:spLocks noGrp="1"/>
-          </p:cNvSpPr>
-          <p:nvPr>
-            <p:ph type="title"/>
-          </p:nvPr>
+          <p:cNvPr id="7" name="Rectangle 6"/>
+          <p:cNvSpPr/>
+          <p:nvPr/>
         </p:nvSpPr>
         <p:spPr>
           <a:xfrm>
-            <a:off x="831850" y="1709738"/>
-            <a:ext cx="10515600" cy="2852737"/>
+            <a:off x="-6843" y="2059012"/>
+            <a:ext cx="12195668" cy="1828800"/>
+          </a:xfrm>
+          <a:prstGeom prst="rect">
+            <a:avLst/>
+          </a:prstGeom>
+          <a:solidFill>
+            <a:schemeClr val="tx2"/>
+          </a:solidFill>
+          <a:ln>
+            <a:noFill/>
+          </a:ln>
+        </p:spPr>
+        <p:style>
+          <a:lnRef idx="2">
+            <a:schemeClr val="accent1">
+              <a:shade val="50000"/>
+            </a:schemeClr>
+          </a:lnRef>
+          <a:fillRef idx="1">
+            <a:schemeClr val="accent1"/>
+          </a:fillRef>
+          <a:effectRef idx="0">
+            <a:schemeClr val="accent1"/>
+          </a:effectRef>
+          <a:fontRef idx="minor">
+            <a:schemeClr val="lt1"/>
+          </a:fontRef>
+        </p:style>
+      </p:sp>
+      <p:sp>
+        <p:nvSpPr>
+          <p:cNvPr id="8" name="Rectangle 7"/>
+          <p:cNvSpPr/>
+          <p:nvPr/>
+        </p:nvSpPr>
+        <p:spPr>
+          <a:xfrm>
+            <a:off x="-6843" y="3887812"/>
+            <a:ext cx="12195668" cy="457200"/>
+          </a:xfrm>
+          <a:prstGeom prst="rect">
+            <a:avLst/>
+          </a:prstGeom>
+          <a:solidFill>
+            <a:schemeClr val="accent1"/>
+          </a:solidFill>
+          <a:ln>
+            <a:noFill/>
+          </a:ln>
+        </p:spPr>
+        <p:style>
+          <a:lnRef idx="2">
+            <a:schemeClr val="accent1">
+              <a:shade val="50000"/>
+            </a:schemeClr>
+          </a:lnRef>
+          <a:fillRef idx="1">
+            <a:schemeClr val="accent1"/>
+          </a:fillRef>
+          <a:effectRef idx="0">
+            <a:schemeClr val="accent1"/>
+          </a:effectRef>
+          <a:fontRef idx="minor">
+            <a:schemeClr val="lt1"/>
+          </a:fontRef>
+        </p:style>
+      </p:sp>
+      <p:sp>
+        <p:nvSpPr>
+          <p:cNvPr id="2" name="Title 1"/>
+          <p:cNvSpPr>
+            <a:spLocks noGrp="1"/>
+          </p:cNvSpPr>
+          <p:nvPr>
+            <p:ph type="title"/>
+          </p:nvPr>
+        </p:nvSpPr>
+        <p:spPr>
+          <a:xfrm>
+            <a:off x="475488" y="2167128"/>
+            <a:ext cx="11247120" cy="1737360"/>
           </a:xfrm>
         </p:spPr>
         <p:txBody>
-          <a:bodyPr anchor="b"/>
+          <a:bodyPr anchor="ctr">
+            <a:noAutofit/>
+          </a:bodyPr>
           <a:lstStyle>
-            <a:lvl1pPr>
-              <a:defRPr sz="6000"/>
-            </a:lvl1pPr>
-          </a:lstStyle>
-          <a:p>
-            <a:r>
-              <a:rPr lang="en-US" smtClean="0"/>
-              <a:t>Click to edit Master title style</a:t>
-            </a:r>
-            <a:endParaRPr lang="en-US"/>
-          </a:p>
-        </p:txBody>
-      </p:sp>
-      <p:sp>
-        <p:nvSpPr>
-          <p:cNvPr id="3" name="Text Placeholder 2"/>
-          <p:cNvSpPr>
-            <a:spLocks noGrp="1"/>
-          </p:cNvSpPr>
-          <p:nvPr>
-            <p:ph type="body" idx="1"/>
-          </p:nvPr>
-        </p:nvSpPr>
-        <p:spPr>
-          <a:xfrm>
-            <a:off x="831850" y="4589463"/>
-            <a:ext cx="10515600" cy="1500187"/>
-          </a:xfrm>
-        </p:spPr>
-        <p:txBody>
-          <a:bodyPr/>
-          <a:lstStyle>
-            <a:lvl1pPr marL="0" indent="0">
-              <a:buNone/>
-              <a:defRPr sz="2400">
+            <a:lvl1pPr algn="ctr">
+              <a:lnSpc>
+                <a:spcPct val="80000"/>
+              </a:lnSpc>
+              <a:defRPr sz="5998" b="0" spc="150" baseline="0">
                 <a:solidFill>
-                  <a:schemeClr val="tx1">
-                    <a:tint val="75000"/>
-                  </a:schemeClr>
+                  <a:schemeClr val="bg1"/>
                 </a:solidFill>
               </a:defRPr>
             </a:lvl1pPr>
-            <a:lvl2pPr marL="457200" indent="0">
-              <a:buNone/>
-              <a:defRPr sz="2000">
+          </a:lstStyle>
+          <a:p>
+            <a:r>
+              <a:rPr lang="en-US" smtClean="0"/>
+              <a:t>Click to edit Master title style</a:t>
+            </a:r>
+            <a:endParaRPr lang="en-US" dirty="0"/>
+          </a:p>
+        </p:txBody>
+      </p:sp>
+      <p:sp>
+        <p:nvSpPr>
+          <p:cNvPr id="3" name="Text Placeholder 2"/>
+          <p:cNvSpPr>
+            <a:spLocks noGrp="1"/>
+          </p:cNvSpPr>
+          <p:nvPr>
+            <p:ph type="body" idx="1"/>
+          </p:nvPr>
+        </p:nvSpPr>
+        <p:spPr>
+          <a:xfrm>
+            <a:off x="347472" y="3913212"/>
+            <a:ext cx="11503152" cy="457200"/>
+          </a:xfrm>
+        </p:spPr>
+        <p:txBody>
+          <a:bodyPr anchor="t">
+            <a:normAutofit/>
+          </a:bodyPr>
+          <a:lstStyle>
+            <a:lvl1pPr marL="0" indent="0" algn="ctr">
+              <a:buNone/>
+              <a:defRPr sz="1999">
+                <a:solidFill>
+                  <a:srgbClr val="FFFFFF"/>
+                </a:solidFill>
+              </a:defRPr>
+            </a:lvl1pPr>
+            <a:lvl2pPr marL="457063" indent="0">
+              <a:buNone/>
+              <a:defRPr sz="1799">
                 <a:solidFill>
                   <a:schemeClr val="tx1">
                     <a:tint val="75000"/>
@@ -1365,9 +1791,9 @@
                 </a:solidFill>
               </a:defRPr>
             </a:lvl2pPr>
-            <a:lvl3pPr marL="914400" indent="0">
-              <a:buNone/>
-              <a:defRPr sz="1800">
+            <a:lvl3pPr marL="914126" indent="0">
+              <a:buNone/>
+              <a:defRPr sz="1600">
                 <a:solidFill>
                   <a:schemeClr val="tx1">
                     <a:tint val="75000"/>
@@ -1375,9 +1801,9 @@
                 </a:solidFill>
               </a:defRPr>
             </a:lvl3pPr>
-            <a:lvl4pPr marL="1371600" indent="0">
-              <a:buNone/>
-              <a:defRPr sz="1600">
+            <a:lvl4pPr marL="1371189" indent="0">
+              <a:buNone/>
+              <a:defRPr sz="1400">
                 <a:solidFill>
                   <a:schemeClr val="tx1">
                     <a:tint val="75000"/>
@@ -1385,9 +1811,9 @@
                 </a:solidFill>
               </a:defRPr>
             </a:lvl4pPr>
-            <a:lvl5pPr marL="1828800" indent="0">
-              <a:buNone/>
-              <a:defRPr sz="1600">
+            <a:lvl5pPr marL="1828251" indent="0">
+              <a:buNone/>
+              <a:defRPr sz="1400">
                 <a:solidFill>
                   <a:schemeClr val="tx1">
                     <a:tint val="75000"/>
@@ -1395,9 +1821,9 @@
                 </a:solidFill>
               </a:defRPr>
             </a:lvl5pPr>
-            <a:lvl6pPr marL="2286000" indent="0">
-              <a:buNone/>
-              <a:defRPr sz="1600">
+            <a:lvl6pPr marL="2285314" indent="0">
+              <a:buNone/>
+              <a:defRPr sz="1400">
                 <a:solidFill>
                   <a:schemeClr val="tx1">
                     <a:tint val="75000"/>
@@ -1405,9 +1831,9 @@
                 </a:solidFill>
               </a:defRPr>
             </a:lvl6pPr>
-            <a:lvl7pPr marL="2743200" indent="0">
-              <a:buNone/>
-              <a:defRPr sz="1600">
+            <a:lvl7pPr marL="2742377" indent="0">
+              <a:buNone/>
+              <a:defRPr sz="1400">
                 <a:solidFill>
                   <a:schemeClr val="tx1">
                     <a:tint val="75000"/>
@@ -1415,9 +1841,9 @@
                 </a:solidFill>
               </a:defRPr>
             </a:lvl7pPr>
-            <a:lvl8pPr marL="3200400" indent="0">
-              <a:buNone/>
-              <a:defRPr sz="1600">
+            <a:lvl8pPr marL="3199440" indent="0">
+              <a:buNone/>
+              <a:defRPr sz="1400">
                 <a:solidFill>
                   <a:schemeClr val="tx1">
                     <a:tint val="75000"/>
@@ -1425,9 +1851,9 @@
                 </a:solidFill>
               </a:defRPr>
             </a:lvl8pPr>
-            <a:lvl9pPr marL="3657600" indent="0">
-              <a:buNone/>
-              <a:defRPr sz="1600">
+            <a:lvl9pPr marL="3656503" indent="0">
+              <a:buNone/>
+              <a:defRPr sz="1400">
                 <a:solidFill>
                   <a:schemeClr val="tx1">
                     <a:tint val="75000"/>
@@ -1458,11 +1884,19 @@
         <p:spPr/>
         <p:txBody>
           <a:bodyPr/>
-          <a:lstStyle/>
-          <a:p>
-            <a:fld id="{CAEE07CD-9105-451F-B2F5-5D687D606057}" type="datetime1">
-              <a:rPr lang="en-US" smtClean="0"/>
-              <a:t>2/29/2016</a:t>
+          <a:lstStyle>
+            <a:lvl1pPr>
+              <a:defRPr>
+                <a:solidFill>
+                  <a:schemeClr val="tx2"/>
+                </a:solidFill>
+              </a:defRPr>
+            </a:lvl1pPr>
+          </a:lstStyle>
+          <a:p>
+            <a:fld id="{15DA5DC7-9CC2-47C9-ACAA-720BC84F0775}" type="datetime1">
+              <a:rPr lang="en-US" smtClean="0"/>
+              <a:t>02/29/2016</a:t>
             </a:fld>
             <a:endParaRPr lang="en-US"/>
           </a:p>
@@ -1481,7 +1915,15 @@
         <p:spPr/>
         <p:txBody>
           <a:bodyPr/>
-          <a:lstStyle/>
+          <a:lstStyle>
+            <a:lvl1pPr>
+              <a:defRPr>
+                <a:solidFill>
+                  <a:schemeClr val="tx2"/>
+                </a:solidFill>
+              </a:defRPr>
+            </a:lvl1pPr>
+          </a:lstStyle>
           <a:p>
             <a:r>
               <a:rPr lang="en-US" smtClean="0"/>
@@ -1504,7 +1946,15 @@
         <p:spPr/>
         <p:txBody>
           <a:bodyPr/>
-          <a:lstStyle/>
+          <a:lstStyle>
+            <a:lvl1pPr>
+              <a:defRPr>
+                <a:solidFill>
+                  <a:schemeClr val="tx2"/>
+                </a:solidFill>
+              </a:defRPr>
+            </a:lvl1pPr>
+          </a:lstStyle>
           <a:p>
             <a:fld id="{04C23D7F-32AA-4032-9BE0-41E1EC08D48C}" type="slidenum">
               <a:rPr lang="en-US" smtClean="0"/>
@@ -1517,13 +1967,32 @@
     </p:spTree>
     <p:extLst>
       <p:ext uri="{BB962C8B-B14F-4D97-AF65-F5344CB8AC3E}">
-        <p14:creationId xmlns:p14="http://schemas.microsoft.com/office/powerpoint/2010/main" val="1621881655"/>
+        <p14:creationId xmlns:p14="http://schemas.microsoft.com/office/powerpoint/2010/main" val="3943713291"/>
       </p:ext>
     </p:extLst>
   </p:cSld>
   <p:clrMapOvr>
-    <a:masterClrMapping/>
+    <a:overrideClrMapping bg1="lt1" tx1="dk1" bg2="lt2" tx2="dk2" accent1="accent1" accent2="accent2" accent3="accent3" accent4="accent4" accent5="accent5" accent6="accent6" hlink="hlink" folHlink="folHlink"/>
   </p:clrMapOvr>
+  <mc:AlternateContent xmlns:mc="http://schemas.openxmlformats.org/markup-compatibility/2006" xmlns:p14="http://schemas.microsoft.com/office/powerpoint/2010/main">
+    <mc:Choice Requires="p14">
+      <p:transition spd="med" p14:dur="700">
+        <p:fade/>
+      </p:transition>
+    </mc:Choice>
+    <mc:Fallback xmlns="">
+      <p:transition spd="med">
+        <p:fade/>
+      </p:transition>
+    </mc:Fallback>
+  </mc:AlternateContent>
+  <p:timing>
+    <p:tnLst>
+      <p:par>
+        <p:cTn id="1" dur="indefinite" restart="never" nodeType="tmRoot"/>
+      </p:par>
+    </p:tnLst>
+  </p:timing>
 </p:sldLayout>
 </file>
 
@@ -1546,7 +2015,7 @@
       </p:grpSpPr>
       <p:sp>
         <p:nvSpPr>
-          <p:cNvPr id="2" name="Title 1"/>
+          <p:cNvPr id="8" name="Title 7"/>
           <p:cNvSpPr>
             <a:spLocks noGrp="1"/>
           </p:cNvSpPr>
@@ -1563,7 +2032,7 @@
               <a:rPr lang="en-US" smtClean="0"/>
               <a:t>Click to edit Master title style</a:t>
             </a:r>
-            <a:endParaRPr lang="en-US"/>
+            <a:endParaRPr lang="en-US" dirty="0"/>
           </a:p>
         </p:txBody>
       </p:sp>
@@ -1579,13 +2048,41 @@
         </p:nvSpPr>
         <p:spPr>
           <a:xfrm>
-            <a:off x="838200" y="1825625"/>
-            <a:ext cx="5181600" cy="4351338"/>
+            <a:off x="1205344" y="2011680"/>
+            <a:ext cx="4754880" cy="4206240"/>
           </a:xfrm>
         </p:spPr>
         <p:txBody>
           <a:bodyPr/>
-          <a:lstStyle/>
+          <a:lstStyle>
+            <a:lvl1pPr>
+              <a:defRPr sz="2199"/>
+            </a:lvl1pPr>
+            <a:lvl2pPr>
+              <a:defRPr sz="1999"/>
+            </a:lvl2pPr>
+            <a:lvl3pPr>
+              <a:defRPr sz="1799"/>
+            </a:lvl3pPr>
+            <a:lvl4pPr>
+              <a:defRPr sz="1600"/>
+            </a:lvl4pPr>
+            <a:lvl5pPr>
+              <a:defRPr sz="1600"/>
+            </a:lvl5pPr>
+            <a:lvl6pPr>
+              <a:defRPr sz="1600"/>
+            </a:lvl6pPr>
+            <a:lvl7pPr>
+              <a:defRPr sz="1600"/>
+            </a:lvl7pPr>
+            <a:lvl8pPr>
+              <a:defRPr sz="1600"/>
+            </a:lvl8pPr>
+            <a:lvl9pPr>
+              <a:defRPr sz="1600"/>
+            </a:lvl9pPr>
+          </a:lstStyle>
           <a:p>
             <a:pPr lvl="0"/>
             <a:r>
@@ -1620,7 +2117,7 @@
               <a:rPr lang="en-US" smtClean="0"/>
               <a:t>Fifth level</a:t>
             </a:r>
-            <a:endParaRPr lang="en-US"/>
+            <a:endParaRPr lang="en-US" dirty="0"/>
           </a:p>
         </p:txBody>
       </p:sp>
@@ -1636,13 +2133,41 @@
         </p:nvSpPr>
         <p:spPr>
           <a:xfrm>
-            <a:off x="6172200" y="1825625"/>
-            <a:ext cx="5181600" cy="4351338"/>
+            <a:off x="6230391" y="2011680"/>
+            <a:ext cx="4754880" cy="4206240"/>
           </a:xfrm>
         </p:spPr>
         <p:txBody>
           <a:bodyPr/>
-          <a:lstStyle/>
+          <a:lstStyle>
+            <a:lvl1pPr>
+              <a:defRPr sz="2199"/>
+            </a:lvl1pPr>
+            <a:lvl2pPr>
+              <a:defRPr sz="1999"/>
+            </a:lvl2pPr>
+            <a:lvl3pPr>
+              <a:defRPr sz="1799"/>
+            </a:lvl3pPr>
+            <a:lvl4pPr>
+              <a:defRPr sz="1600"/>
+            </a:lvl4pPr>
+            <a:lvl5pPr>
+              <a:defRPr sz="1600"/>
+            </a:lvl5pPr>
+            <a:lvl6pPr>
+              <a:defRPr sz="1600"/>
+            </a:lvl6pPr>
+            <a:lvl7pPr>
+              <a:defRPr sz="1600"/>
+            </a:lvl7pPr>
+            <a:lvl8pPr>
+              <a:defRPr sz="1600"/>
+            </a:lvl8pPr>
+            <a:lvl9pPr>
+              <a:defRPr sz="1600"/>
+            </a:lvl9pPr>
+          </a:lstStyle>
           <a:p>
             <a:pPr lvl="0"/>
             <a:r>
@@ -1677,7 +2202,7 @@
               <a:rPr lang="en-US" smtClean="0"/>
               <a:t>Fifth level</a:t>
             </a:r>
-            <a:endParaRPr lang="en-US"/>
+            <a:endParaRPr lang="en-US" dirty="0"/>
           </a:p>
         </p:txBody>
       </p:sp>
@@ -1696,9 +2221,9 @@
           <a:bodyPr/>
           <a:lstStyle/>
           <a:p>
-            <a:fld id="{4C6AEEFB-4421-42AD-A215-79C04EECE791}" type="datetime1">
-              <a:rPr lang="en-US" smtClean="0"/>
-              <a:t>2/29/2016</a:t>
+            <a:fld id="{19D74458-FF6A-4373-AF5C-862D0E6BB222}" type="datetime1">
+              <a:rPr lang="en-US" smtClean="0"/>
+              <a:t>02/29/2016</a:t>
             </a:fld>
             <a:endParaRPr lang="en-US"/>
           </a:p>
@@ -1753,13 +2278,32 @@
     </p:spTree>
     <p:extLst>
       <p:ext uri="{BB962C8B-B14F-4D97-AF65-F5344CB8AC3E}">
-        <p14:creationId xmlns:p14="http://schemas.microsoft.com/office/powerpoint/2010/main" val="3998302043"/>
+        <p14:creationId xmlns:p14="http://schemas.microsoft.com/office/powerpoint/2010/main" val="4009193120"/>
       </p:ext>
     </p:extLst>
   </p:cSld>
   <p:clrMapOvr>
     <a:masterClrMapping/>
   </p:clrMapOvr>
+  <mc:AlternateContent xmlns:mc="http://schemas.openxmlformats.org/markup-compatibility/2006" xmlns:p14="http://schemas.microsoft.com/office/powerpoint/2010/main">
+    <mc:Choice Requires="p14">
+      <p:transition spd="med" p14:dur="700">
+        <p:fade/>
+      </p:transition>
+    </mc:Choice>
+    <mc:Fallback xmlns="">
+      <p:transition spd="med">
+        <p:fade/>
+      </p:transition>
+    </mc:Fallback>
+  </mc:AlternateContent>
+  <p:timing>
+    <p:tnLst>
+      <p:par>
+        <p:cTn id="1" dur="indefinite" restart="never" nodeType="tmRoot"/>
+      </p:par>
+    </p:tnLst>
+  </p:timing>
 </p:sldLayout>
 </file>
 
@@ -1782,84 +2326,81 @@
       </p:grpSpPr>
       <p:sp>
         <p:nvSpPr>
-          <p:cNvPr id="2" name="Title 1"/>
+          <p:cNvPr id="10" name="Title 9"/>
           <p:cNvSpPr>
             <a:spLocks noGrp="1"/>
           </p:cNvSpPr>
           <p:nvPr>
             <p:ph type="title"/>
+          </p:nvPr>
+        </p:nvSpPr>
+        <p:spPr/>
+        <p:txBody>
+          <a:bodyPr/>
+          <a:lstStyle/>
+          <a:p>
+            <a:r>
+              <a:rPr lang="en-US" smtClean="0"/>
+              <a:t>Click to edit Master title style</a:t>
+            </a:r>
+            <a:endParaRPr lang="en-US" dirty="0"/>
+          </a:p>
+        </p:txBody>
+      </p:sp>
+      <p:sp>
+        <p:nvSpPr>
+          <p:cNvPr id="3" name="Text Placeholder 2"/>
+          <p:cNvSpPr>
+            <a:spLocks noGrp="1"/>
+          </p:cNvSpPr>
+          <p:nvPr>
+            <p:ph type="body" idx="1"/>
           </p:nvPr>
         </p:nvSpPr>
         <p:spPr>
           <a:xfrm>
-            <a:off x="839788" y="365125"/>
-            <a:ext cx="10515600" cy="1325563"/>
+            <a:off x="1207008" y="1913470"/>
+            <a:ext cx="4754880" cy="743094"/>
           </a:xfrm>
         </p:spPr>
         <p:txBody>
-          <a:bodyPr/>
-          <a:lstStyle/>
-          <a:p>
-            <a:r>
-              <a:rPr lang="en-US" smtClean="0"/>
-              <a:t>Click to edit Master title style</a:t>
-            </a:r>
-            <a:endParaRPr lang="en-US"/>
-          </a:p>
-        </p:txBody>
-      </p:sp>
-      <p:sp>
-        <p:nvSpPr>
-          <p:cNvPr id="3" name="Text Placeholder 2"/>
-          <p:cNvSpPr>
-            <a:spLocks noGrp="1"/>
-          </p:cNvSpPr>
-          <p:nvPr>
-            <p:ph type="body" idx="1"/>
-          </p:nvPr>
-        </p:nvSpPr>
-        <p:spPr>
-          <a:xfrm>
-            <a:off x="839788" y="1681163"/>
-            <a:ext cx="5157787" cy="823912"/>
-          </a:xfrm>
-        </p:spPr>
-        <p:txBody>
-          <a:bodyPr anchor="b"/>
+          <a:bodyPr anchor="ctr">
+            <a:normAutofit/>
+          </a:bodyPr>
           <a:lstStyle>
             <a:lvl1pPr marL="0" indent="0">
               <a:buNone/>
-              <a:defRPr sz="2400" b="1"/>
+              <a:defRPr sz="2099" b="1"/>
             </a:lvl1pPr>
-            <a:lvl2pPr marL="457200" indent="0">
-              <a:buNone/>
-              <a:defRPr sz="2000" b="1"/>
+            <a:lvl2pPr marL="457063" indent="0">
+              <a:buNone/>
+              <a:defRPr sz="1999" b="1"/>
             </a:lvl2pPr>
-            <a:lvl3pPr marL="914400" indent="0">
-              <a:buNone/>
-              <a:defRPr sz="1800" b="1"/>
+            <a:lvl3pPr marL="914126" indent="0">
+              <a:buNone/>
+              <a:defRPr sz="1799" b="1"/>
             </a:lvl3pPr>
-            <a:lvl4pPr marL="1371600" indent="0">
+            <a:lvl4pPr marL="1371189" indent="0">
               <a:buNone/>
               <a:defRPr sz="1600" b="1"/>
             </a:lvl4pPr>
-            <a:lvl5pPr marL="1828800" indent="0">
+            <a:lvl5pPr marL="1828251" indent="0">
               <a:buNone/>
               <a:defRPr sz="1600" b="1"/>
             </a:lvl5pPr>
-            <a:lvl6pPr marL="2286000" indent="0">
+            <a:lvl6pPr marL="2285314" indent="0">
               <a:buNone/>
               <a:defRPr sz="1600" b="1"/>
             </a:lvl6pPr>
-            <a:lvl7pPr marL="2743200" indent="0">
+            <a:lvl7pPr marL="2742377" indent="0">
               <a:buNone/>
               <a:defRPr sz="1600" b="1"/>
             </a:lvl7pPr>
-            <a:lvl8pPr marL="3200400" indent="0">
+            <a:lvl8pPr marL="3199440" indent="0">
               <a:buNone/>
               <a:defRPr sz="1600" b="1"/>
             </a:lvl8pPr>
-            <a:lvl9pPr marL="3657600" indent="0">
+            <a:lvl9pPr marL="3656503" indent="0">
               <a:buNone/>
               <a:defRPr sz="1600" b="1"/>
             </a:lvl9pPr>
@@ -1885,13 +2426,41 @@
         </p:nvSpPr>
         <p:spPr>
           <a:xfrm>
-            <a:off x="839788" y="2505075"/>
-            <a:ext cx="5157787" cy="3684588"/>
+            <a:off x="1207008" y="2656566"/>
+            <a:ext cx="4754880" cy="3566160"/>
           </a:xfrm>
         </p:spPr>
         <p:txBody>
           <a:bodyPr/>
-          <a:lstStyle/>
+          <a:lstStyle>
+            <a:lvl1pPr>
+              <a:defRPr sz="2199"/>
+            </a:lvl1pPr>
+            <a:lvl2pPr>
+              <a:defRPr sz="1999"/>
+            </a:lvl2pPr>
+            <a:lvl3pPr>
+              <a:defRPr sz="1799"/>
+            </a:lvl3pPr>
+            <a:lvl4pPr>
+              <a:defRPr sz="1600"/>
+            </a:lvl4pPr>
+            <a:lvl5pPr>
+              <a:defRPr sz="1600"/>
+            </a:lvl5pPr>
+            <a:lvl6pPr>
+              <a:defRPr sz="1600"/>
+            </a:lvl6pPr>
+            <a:lvl7pPr>
+              <a:defRPr sz="1600"/>
+            </a:lvl7pPr>
+            <a:lvl8pPr>
+              <a:defRPr sz="1600"/>
+            </a:lvl8pPr>
+            <a:lvl9pPr>
+              <a:defRPr sz="1600"/>
+            </a:lvl9pPr>
+          </a:lstStyle>
           <a:p>
             <a:pPr lvl="0"/>
             <a:r>
@@ -1926,7 +2495,7 @@
               <a:rPr lang="en-US" smtClean="0"/>
               <a:t>Fifth level</a:t>
             </a:r>
-            <a:endParaRPr lang="en-US"/>
+            <a:endParaRPr lang="en-US" dirty="0"/>
           </a:p>
         </p:txBody>
       </p:sp>
@@ -1942,46 +2511,48 @@
         </p:nvSpPr>
         <p:spPr>
           <a:xfrm>
-            <a:off x="6172200" y="1681163"/>
-            <a:ext cx="5183188" cy="823912"/>
+            <a:off x="6231230" y="1913470"/>
+            <a:ext cx="4754880" cy="743094"/>
           </a:xfrm>
         </p:spPr>
         <p:txBody>
-          <a:bodyPr anchor="b"/>
+          <a:bodyPr anchor="ctr">
+            <a:normAutofit/>
+          </a:bodyPr>
           <a:lstStyle>
             <a:lvl1pPr marL="0" indent="0">
               <a:buNone/>
-              <a:defRPr sz="2400" b="1"/>
+              <a:defRPr sz="2099" b="1"/>
             </a:lvl1pPr>
-            <a:lvl2pPr marL="457200" indent="0">
-              <a:buNone/>
-              <a:defRPr sz="2000" b="1"/>
+            <a:lvl2pPr marL="457063" indent="0">
+              <a:buNone/>
+              <a:defRPr sz="1999" b="1"/>
             </a:lvl2pPr>
-            <a:lvl3pPr marL="914400" indent="0">
-              <a:buNone/>
-              <a:defRPr sz="1800" b="1"/>
+            <a:lvl3pPr marL="914126" indent="0">
+              <a:buNone/>
+              <a:defRPr sz="1799" b="1"/>
             </a:lvl3pPr>
-            <a:lvl4pPr marL="1371600" indent="0">
+            <a:lvl4pPr marL="1371189" indent="0">
               <a:buNone/>
               <a:defRPr sz="1600" b="1"/>
             </a:lvl4pPr>
-            <a:lvl5pPr marL="1828800" indent="0">
+            <a:lvl5pPr marL="1828251" indent="0">
               <a:buNone/>
               <a:defRPr sz="1600" b="1"/>
             </a:lvl5pPr>
-            <a:lvl6pPr marL="2286000" indent="0">
+            <a:lvl6pPr marL="2285314" indent="0">
               <a:buNone/>
               <a:defRPr sz="1600" b="1"/>
             </a:lvl6pPr>
-            <a:lvl7pPr marL="2743200" indent="0">
+            <a:lvl7pPr marL="2742377" indent="0">
               <a:buNone/>
               <a:defRPr sz="1600" b="1"/>
             </a:lvl7pPr>
-            <a:lvl8pPr marL="3200400" indent="0">
+            <a:lvl8pPr marL="3199440" indent="0">
               <a:buNone/>
               <a:defRPr sz="1600" b="1"/>
             </a:lvl8pPr>
-            <a:lvl9pPr marL="3657600" indent="0">
+            <a:lvl9pPr marL="3656503" indent="0">
               <a:buNone/>
               <a:defRPr sz="1600" b="1"/>
             </a:lvl9pPr>
@@ -2007,13 +2578,41 @@
         </p:nvSpPr>
         <p:spPr>
           <a:xfrm>
-            <a:off x="6172200" y="2505075"/>
-            <a:ext cx="5183188" cy="3684588"/>
+            <a:off x="6231230" y="2656564"/>
+            <a:ext cx="4754880" cy="3566160"/>
           </a:xfrm>
         </p:spPr>
         <p:txBody>
           <a:bodyPr/>
-          <a:lstStyle/>
+          <a:lstStyle>
+            <a:lvl1pPr>
+              <a:defRPr sz="2199"/>
+            </a:lvl1pPr>
+            <a:lvl2pPr>
+              <a:defRPr sz="1999"/>
+            </a:lvl2pPr>
+            <a:lvl3pPr>
+              <a:defRPr sz="1799"/>
+            </a:lvl3pPr>
+            <a:lvl4pPr>
+              <a:defRPr sz="1600"/>
+            </a:lvl4pPr>
+            <a:lvl5pPr>
+              <a:defRPr sz="1600"/>
+            </a:lvl5pPr>
+            <a:lvl6pPr>
+              <a:defRPr sz="1600"/>
+            </a:lvl6pPr>
+            <a:lvl7pPr>
+              <a:defRPr sz="1600"/>
+            </a:lvl7pPr>
+            <a:lvl8pPr>
+              <a:defRPr sz="1600"/>
+            </a:lvl8pPr>
+            <a:lvl9pPr>
+              <a:defRPr sz="1600"/>
+            </a:lvl9pPr>
+          </a:lstStyle>
           <a:p>
             <a:pPr lvl="0"/>
             <a:r>
@@ -2048,7 +2647,7 @@
               <a:rPr lang="en-US" smtClean="0"/>
               <a:t>Fifth level</a:t>
             </a:r>
-            <a:endParaRPr lang="en-US"/>
+            <a:endParaRPr lang="en-US" dirty="0"/>
           </a:p>
         </p:txBody>
       </p:sp>
@@ -2067,9 +2666,9 @@
           <a:bodyPr/>
           <a:lstStyle/>
           <a:p>
-            <a:fld id="{EA6C56A1-65F5-4A36-92A9-FF9F2F9C12C7}" type="datetime1">
-              <a:rPr lang="en-US" smtClean="0"/>
-              <a:t>2/29/2016</a:t>
+            <a:fld id="{AD56239A-225E-4F3F-B22A-16436D579858}" type="datetime1">
+              <a:rPr lang="en-US" smtClean="0"/>
+              <a:t>02/29/2016</a:t>
             </a:fld>
             <a:endParaRPr lang="en-US"/>
           </a:p>
@@ -2124,13 +2723,32 @@
     </p:spTree>
     <p:extLst>
       <p:ext uri="{BB962C8B-B14F-4D97-AF65-F5344CB8AC3E}">
-        <p14:creationId xmlns:p14="http://schemas.microsoft.com/office/powerpoint/2010/main" val="3433117976"/>
+        <p14:creationId xmlns:p14="http://schemas.microsoft.com/office/powerpoint/2010/main" val="4071596838"/>
       </p:ext>
     </p:extLst>
   </p:cSld>
   <p:clrMapOvr>
     <a:masterClrMapping/>
   </p:clrMapOvr>
+  <mc:AlternateContent xmlns:mc="http://schemas.openxmlformats.org/markup-compatibility/2006" xmlns:p14="http://schemas.microsoft.com/office/powerpoint/2010/main">
+    <mc:Choice Requires="p14">
+      <p:transition spd="med" p14:dur="700">
+        <p:fade/>
+      </p:transition>
+    </mc:Choice>
+    <mc:Fallback xmlns="">
+      <p:transition spd="med">
+        <p:fade/>
+      </p:transition>
+    </mc:Fallback>
+  </mc:AlternateContent>
+  <p:timing>
+    <p:tnLst>
+      <p:par>
+        <p:cTn id="1" dur="indefinite" restart="never" nodeType="tmRoot"/>
+      </p:par>
+    </p:tnLst>
+  </p:timing>
 </p:sldLayout>
 </file>
 
@@ -2170,7 +2788,7 @@
               <a:rPr lang="en-US" smtClean="0"/>
               <a:t>Click to edit Master title style</a:t>
             </a:r>
-            <a:endParaRPr lang="en-US"/>
+            <a:endParaRPr lang="en-US" dirty="0"/>
           </a:p>
         </p:txBody>
       </p:sp>
@@ -2189,9 +2807,9 @@
           <a:bodyPr/>
           <a:lstStyle/>
           <a:p>
-            <a:fld id="{75756C35-C9AE-4651-B67D-F477A87194EA}" type="datetime1">
-              <a:rPr lang="en-US" smtClean="0"/>
-              <a:t>2/29/2016</a:t>
+            <a:fld id="{927CDB3F-83DC-45E2-9CF1-6AC9D36C0BC0}" type="datetime1">
+              <a:rPr lang="en-US" smtClean="0"/>
+              <a:t>02/29/2016</a:t>
             </a:fld>
             <a:endParaRPr lang="en-US"/>
           </a:p>
@@ -2246,18 +2864,37 @@
     </p:spTree>
     <p:extLst>
       <p:ext uri="{BB962C8B-B14F-4D97-AF65-F5344CB8AC3E}">
-        <p14:creationId xmlns:p14="http://schemas.microsoft.com/office/powerpoint/2010/main" val="1208817223"/>
+        <p14:creationId xmlns:p14="http://schemas.microsoft.com/office/powerpoint/2010/main" val="177792261"/>
       </p:ext>
     </p:extLst>
   </p:cSld>
   <p:clrMapOvr>
     <a:masterClrMapping/>
   </p:clrMapOvr>
+  <mc:AlternateContent xmlns:mc="http://schemas.openxmlformats.org/markup-compatibility/2006" xmlns:p14="http://schemas.microsoft.com/office/powerpoint/2010/main">
+    <mc:Choice Requires="p14">
+      <p:transition spd="med" p14:dur="700">
+        <p:fade/>
+      </p:transition>
+    </mc:Choice>
+    <mc:Fallback xmlns="">
+      <p:transition spd="med">
+        <p:fade/>
+      </p:transition>
+    </mc:Fallback>
+  </mc:AlternateContent>
+  <p:timing>
+    <p:tnLst>
+      <p:par>
+        <p:cTn id="1" dur="indefinite" restart="never" nodeType="tmRoot"/>
+      </p:par>
+    </p:tnLst>
+  </p:timing>
 </p:sldLayout>
 </file>
 
 <file path=ppt/slideLayouts/slideLayout7.xml><?xml version="1.0" encoding="utf-8"?>
-<p:sldLayout xmlns:a="http://schemas.openxmlformats.org/drawingml/2006/main" xmlns:r="http://schemas.openxmlformats.org/officeDocument/2006/relationships" xmlns:p="http://schemas.openxmlformats.org/presentationml/2006/main" type="blank" preserve="1">
+<p:sldLayout xmlns:a="http://schemas.openxmlformats.org/drawingml/2006/main" xmlns:r="http://schemas.openxmlformats.org/officeDocument/2006/relationships" xmlns:p="http://schemas.openxmlformats.org/presentationml/2006/main" showMasterSp="0" type="blank" preserve="1">
   <p:cSld name="Blank">
     <p:spTree>
       <p:nvGrpSpPr>
@@ -2288,9 +2925,9 @@
           <a:bodyPr/>
           <a:lstStyle/>
           <a:p>
-            <a:fld id="{42CCF86D-59D1-4BFE-B9A0-5DD5FFDD987C}" type="datetime1">
-              <a:rPr lang="en-US" smtClean="0"/>
-              <a:t>2/29/2016</a:t>
+            <a:fld id="{F09A762D-2AC3-40B0-AB38-CACE437A5271}" type="datetime1">
+              <a:rPr lang="en-US" smtClean="0"/>
+              <a:t>02/29/2016</a:t>
             </a:fld>
             <a:endParaRPr lang="en-US"/>
           </a:p>
@@ -2345,13 +2982,32 @@
     </p:spTree>
     <p:extLst>
       <p:ext uri="{BB962C8B-B14F-4D97-AF65-F5344CB8AC3E}">
-        <p14:creationId xmlns:p14="http://schemas.microsoft.com/office/powerpoint/2010/main" val="4165941968"/>
+        <p14:creationId xmlns:p14="http://schemas.microsoft.com/office/powerpoint/2010/main" val="3688507775"/>
       </p:ext>
     </p:extLst>
   </p:cSld>
   <p:clrMapOvr>
     <a:masterClrMapping/>
   </p:clrMapOvr>
+  <mc:AlternateContent xmlns:mc="http://schemas.openxmlformats.org/markup-compatibility/2006" xmlns:p14="http://schemas.microsoft.com/office/powerpoint/2010/main">
+    <mc:Choice Requires="p14">
+      <p:transition spd="med" p14:dur="700">
+        <p:fade/>
+      </p:transition>
+    </mc:Choice>
+    <mc:Fallback xmlns="">
+      <p:transition spd="med">
+        <p:fade/>
+      </p:transition>
+    </mc:Fallback>
+  </mc:AlternateContent>
+  <p:timing>
+    <p:tnLst>
+      <p:par>
+        <p:cTn id="1" dur="indefinite" restart="never" nodeType="tmRoot"/>
+      </p:par>
+    </p:tnLst>
+  </p:timing>
 </p:sldLayout>
 </file>
 
@@ -2374,81 +3030,171 @@
       </p:grpSpPr>
       <p:sp>
         <p:nvSpPr>
-          <p:cNvPr id="2" name="Title 1"/>
+          <p:cNvPr id="8" name="Title 7"/>
           <p:cNvSpPr>
             <a:spLocks noGrp="1"/>
           </p:cNvSpPr>
           <p:nvPr>
             <p:ph type="title"/>
+          </p:nvPr>
+        </p:nvSpPr>
+        <p:spPr/>
+        <p:txBody>
+          <a:bodyPr/>
+          <a:lstStyle/>
+          <a:p>
+            <a:r>
+              <a:rPr lang="en-US" smtClean="0"/>
+              <a:t>Click to edit Master title style</a:t>
+            </a:r>
+            <a:endParaRPr lang="en-US" dirty="0"/>
+          </a:p>
+        </p:txBody>
+      </p:sp>
+      <p:sp>
+        <p:nvSpPr>
+          <p:cNvPr id="3" name="Content Placeholder 2"/>
+          <p:cNvSpPr>
+            <a:spLocks noGrp="1"/>
+          </p:cNvSpPr>
+          <p:nvPr>
+            <p:ph idx="1"/>
           </p:nvPr>
         </p:nvSpPr>
         <p:spPr>
           <a:xfrm>
-            <a:off x="839788" y="457200"/>
-            <a:ext cx="3932237" cy="1600200"/>
+            <a:off x="1207008" y="2120054"/>
+            <a:ext cx="6126480" cy="4114800"/>
           </a:xfrm>
         </p:spPr>
         <p:txBody>
-          <a:bodyPr anchor="b"/>
+          <a:bodyPr/>
           <a:lstStyle>
             <a:lvl1pPr>
-              <a:defRPr sz="3200"/>
+              <a:defRPr sz="3199"/>
             </a:lvl1pPr>
+            <a:lvl2pPr>
+              <a:defRPr sz="2799"/>
+            </a:lvl2pPr>
+            <a:lvl3pPr>
+              <a:defRPr sz="2399"/>
+            </a:lvl3pPr>
+            <a:lvl4pPr>
+              <a:defRPr sz="1999"/>
+            </a:lvl4pPr>
+            <a:lvl5pPr>
+              <a:defRPr sz="1999"/>
+            </a:lvl5pPr>
+            <a:lvl6pPr>
+              <a:defRPr sz="1999"/>
+            </a:lvl6pPr>
+            <a:lvl7pPr>
+              <a:defRPr sz="1999"/>
+            </a:lvl7pPr>
+            <a:lvl8pPr>
+              <a:defRPr sz="1999"/>
+            </a:lvl8pPr>
+            <a:lvl9pPr>
+              <a:defRPr sz="1999"/>
+            </a:lvl9pPr>
           </a:lstStyle>
           <a:p>
-            <a:r>
-              <a:rPr lang="en-US" smtClean="0"/>
-              <a:t>Click to edit Master title style</a:t>
-            </a:r>
-            <a:endParaRPr lang="en-US"/>
-          </a:p>
-        </p:txBody>
-      </p:sp>
-      <p:sp>
-        <p:nvSpPr>
-          <p:cNvPr id="3" name="Content Placeholder 2"/>
-          <p:cNvSpPr>
-            <a:spLocks noGrp="1"/>
-          </p:cNvSpPr>
-          <p:nvPr>
-            <p:ph idx="1"/>
+            <a:pPr lvl="0"/>
+            <a:r>
+              <a:rPr lang="en-US" smtClean="0"/>
+              <a:t>Click to edit Master text styles</a:t>
+            </a:r>
+          </a:p>
+          <a:p>
+            <a:pPr lvl="1"/>
+            <a:r>
+              <a:rPr lang="en-US" smtClean="0"/>
+              <a:t>Second level</a:t>
+            </a:r>
+          </a:p>
+          <a:p>
+            <a:pPr lvl="2"/>
+            <a:r>
+              <a:rPr lang="en-US" smtClean="0"/>
+              <a:t>Third level</a:t>
+            </a:r>
+          </a:p>
+          <a:p>
+            <a:pPr lvl="3"/>
+            <a:r>
+              <a:rPr lang="en-US" smtClean="0"/>
+              <a:t>Fourth level</a:t>
+            </a:r>
+          </a:p>
+          <a:p>
+            <a:pPr lvl="4"/>
+            <a:r>
+              <a:rPr lang="en-US" smtClean="0"/>
+              <a:t>Fifth level</a:t>
+            </a:r>
+            <a:endParaRPr lang="en-US" dirty="0"/>
+          </a:p>
+        </p:txBody>
+      </p:sp>
+      <p:sp>
+        <p:nvSpPr>
+          <p:cNvPr id="4" name="Text Placeholder 3"/>
+          <p:cNvSpPr>
+            <a:spLocks noGrp="1"/>
+          </p:cNvSpPr>
+          <p:nvPr>
+            <p:ph type="body" sz="half" idx="2"/>
           </p:nvPr>
         </p:nvSpPr>
         <p:spPr>
           <a:xfrm>
-            <a:off x="5183188" y="987425"/>
-            <a:ext cx="6172200" cy="4873625"/>
+            <a:off x="7789023" y="2147488"/>
+            <a:ext cx="3200400" cy="3432319"/>
           </a:xfrm>
         </p:spPr>
         <p:txBody>
-          <a:bodyPr/>
+          <a:bodyPr>
+            <a:normAutofit/>
+          </a:bodyPr>
           <a:lstStyle>
-            <a:lvl1pPr>
-              <a:defRPr sz="3200"/>
+            <a:lvl1pPr marL="0" indent="0">
+              <a:lnSpc>
+                <a:spcPct val="95000"/>
+              </a:lnSpc>
+              <a:buNone/>
+              <a:defRPr sz="1799"/>
             </a:lvl1pPr>
-            <a:lvl2pPr>
-              <a:defRPr sz="2800"/>
+            <a:lvl2pPr marL="457063" indent="0">
+              <a:buNone/>
+              <a:defRPr sz="1200"/>
             </a:lvl2pPr>
-            <a:lvl3pPr>
-              <a:defRPr sz="2400"/>
+            <a:lvl3pPr marL="914126" indent="0">
+              <a:buNone/>
+              <a:defRPr sz="1000"/>
             </a:lvl3pPr>
-            <a:lvl4pPr>
-              <a:defRPr sz="2000"/>
+            <a:lvl4pPr marL="1371189" indent="0">
+              <a:buNone/>
+              <a:defRPr sz="900"/>
             </a:lvl4pPr>
-            <a:lvl5pPr>
-              <a:defRPr sz="2000"/>
+            <a:lvl5pPr marL="1828251" indent="0">
+              <a:buNone/>
+              <a:defRPr sz="900"/>
             </a:lvl5pPr>
-            <a:lvl6pPr>
-              <a:defRPr sz="2000"/>
+            <a:lvl6pPr marL="2285314" indent="0">
+              <a:buNone/>
+              <a:defRPr sz="900"/>
             </a:lvl6pPr>
-            <a:lvl7pPr>
-              <a:defRPr sz="2000"/>
+            <a:lvl7pPr marL="2742377" indent="0">
+              <a:buNone/>
+              <a:defRPr sz="900"/>
             </a:lvl7pPr>
-            <a:lvl8pPr>
-              <a:defRPr sz="2000"/>
+            <a:lvl8pPr marL="3199440" indent="0">
+              <a:buNone/>
+              <a:defRPr sz="900"/>
             </a:lvl8pPr>
-            <a:lvl9pPr>
-              <a:defRPr sz="2000"/>
+            <a:lvl9pPr marL="3656503" indent="0">
+              <a:buNone/>
+              <a:defRPr sz="900"/>
             </a:lvl9pPr>
           </a:lstStyle>
           <a:p>
@@ -2458,100 +3204,6 @@
               <a:t>Click to edit Master text styles</a:t>
             </a:r>
           </a:p>
-          <a:p>
-            <a:pPr lvl="1"/>
-            <a:r>
-              <a:rPr lang="en-US" smtClean="0"/>
-              <a:t>Second level</a:t>
-            </a:r>
-          </a:p>
-          <a:p>
-            <a:pPr lvl="2"/>
-            <a:r>
-              <a:rPr lang="en-US" smtClean="0"/>
-              <a:t>Third level</a:t>
-            </a:r>
-          </a:p>
-          <a:p>
-            <a:pPr lvl="3"/>
-            <a:r>
-              <a:rPr lang="en-US" smtClean="0"/>
-              <a:t>Fourth level</a:t>
-            </a:r>
-          </a:p>
-          <a:p>
-            <a:pPr lvl="4"/>
-            <a:r>
-              <a:rPr lang="en-US" smtClean="0"/>
-              <a:t>Fifth level</a:t>
-            </a:r>
-            <a:endParaRPr lang="en-US"/>
-          </a:p>
-        </p:txBody>
-      </p:sp>
-      <p:sp>
-        <p:nvSpPr>
-          <p:cNvPr id="4" name="Text Placeholder 3"/>
-          <p:cNvSpPr>
-            <a:spLocks noGrp="1"/>
-          </p:cNvSpPr>
-          <p:nvPr>
-            <p:ph type="body" sz="half" idx="2"/>
-          </p:nvPr>
-        </p:nvSpPr>
-        <p:spPr>
-          <a:xfrm>
-            <a:off x="839788" y="2057400"/>
-            <a:ext cx="3932237" cy="3811588"/>
-          </a:xfrm>
-        </p:spPr>
-        <p:txBody>
-          <a:bodyPr/>
-          <a:lstStyle>
-            <a:lvl1pPr marL="0" indent="0">
-              <a:buNone/>
-              <a:defRPr sz="1600"/>
-            </a:lvl1pPr>
-            <a:lvl2pPr marL="457200" indent="0">
-              <a:buNone/>
-              <a:defRPr sz="1400"/>
-            </a:lvl2pPr>
-            <a:lvl3pPr marL="914400" indent="0">
-              <a:buNone/>
-              <a:defRPr sz="1200"/>
-            </a:lvl3pPr>
-            <a:lvl4pPr marL="1371600" indent="0">
-              <a:buNone/>
-              <a:defRPr sz="1000"/>
-            </a:lvl4pPr>
-            <a:lvl5pPr marL="1828800" indent="0">
-              <a:buNone/>
-              <a:defRPr sz="1000"/>
-            </a:lvl5pPr>
-            <a:lvl6pPr marL="2286000" indent="0">
-              <a:buNone/>
-              <a:defRPr sz="1000"/>
-            </a:lvl6pPr>
-            <a:lvl7pPr marL="2743200" indent="0">
-              <a:buNone/>
-              <a:defRPr sz="1000"/>
-            </a:lvl7pPr>
-            <a:lvl8pPr marL="3200400" indent="0">
-              <a:buNone/>
-              <a:defRPr sz="1000"/>
-            </a:lvl8pPr>
-            <a:lvl9pPr marL="3657600" indent="0">
-              <a:buNone/>
-              <a:defRPr sz="1000"/>
-            </a:lvl9pPr>
-          </a:lstStyle>
-          <a:p>
-            <a:pPr lvl="0"/>
-            <a:r>
-              <a:rPr lang="en-US" smtClean="0"/>
-              <a:t>Click to edit Master text styles</a:t>
-            </a:r>
-          </a:p>
         </p:txBody>
       </p:sp>
       <p:sp>
@@ -2569,9 +3221,9 @@
           <a:bodyPr/>
           <a:lstStyle/>
           <a:p>
-            <a:fld id="{08E28519-A688-4F69-BEA2-0F10FAB4CFF6}" type="datetime1">
-              <a:rPr lang="en-US" smtClean="0"/>
-              <a:t>2/29/2016</a:t>
+            <a:fld id="{38216FC8-DA01-47C3-8C48-CA0CD2CBD377}" type="datetime1">
+              <a:rPr lang="en-US" smtClean="0"/>
+              <a:t>02/29/2016</a:t>
             </a:fld>
             <a:endParaRPr lang="en-US"/>
           </a:p>
@@ -2626,13 +3278,32 @@
     </p:spTree>
     <p:extLst>
       <p:ext uri="{BB962C8B-B14F-4D97-AF65-F5344CB8AC3E}">
-        <p14:creationId xmlns:p14="http://schemas.microsoft.com/office/powerpoint/2010/main" val="699535951"/>
+        <p14:creationId xmlns:p14="http://schemas.microsoft.com/office/powerpoint/2010/main" val="4124148602"/>
       </p:ext>
     </p:extLst>
   </p:cSld>
   <p:clrMapOvr>
     <a:masterClrMapping/>
   </p:clrMapOvr>
+  <mc:AlternateContent xmlns:mc="http://schemas.openxmlformats.org/markup-compatibility/2006" xmlns:p14="http://schemas.microsoft.com/office/powerpoint/2010/main">
+    <mc:Choice Requires="p14">
+      <p:transition spd="med" p14:dur="700">
+        <p:fade/>
+      </p:transition>
+    </mc:Choice>
+    <mc:Fallback xmlns="">
+      <p:transition spd="med">
+        <p:fade/>
+      </p:transition>
+    </mc:Fallback>
+  </mc:AlternateContent>
+  <p:timing>
+    <p:tnLst>
+      <p:par>
+        <p:cTn id="1" dur="indefinite" restart="never" nodeType="tmRoot"/>
+      </p:par>
+    </p:tnLst>
+  </p:timing>
 </p:sldLayout>
 </file>
 
@@ -2655,154 +3326,166 @@
       </p:grpSpPr>
       <p:sp>
         <p:nvSpPr>
-          <p:cNvPr id="2" name="Title 1"/>
+          <p:cNvPr id="8" name="Title 7"/>
           <p:cNvSpPr>
             <a:spLocks noGrp="1"/>
           </p:cNvSpPr>
           <p:nvPr>
             <p:ph type="title"/>
+          </p:nvPr>
+        </p:nvSpPr>
+        <p:spPr/>
+        <p:txBody>
+          <a:bodyPr/>
+          <a:lstStyle/>
+          <a:p>
+            <a:r>
+              <a:rPr lang="en-US" smtClean="0"/>
+              <a:t>Click to edit Master title style</a:t>
+            </a:r>
+            <a:endParaRPr lang="en-US" dirty="0"/>
+          </a:p>
+        </p:txBody>
+      </p:sp>
+      <p:sp>
+        <p:nvSpPr>
+          <p:cNvPr id="3" name="Picture Placeholder 2"/>
+          <p:cNvSpPr>
+            <a:spLocks noGrp="1" noChangeAspect="1"/>
+          </p:cNvSpPr>
+          <p:nvPr>
+            <p:ph type="pic" idx="1"/>
           </p:nvPr>
         </p:nvSpPr>
         <p:spPr>
           <a:xfrm>
-            <a:off x="839788" y="457200"/>
-            <a:ext cx="3932237" cy="1600200"/>
+            <a:off x="1280160" y="2211494"/>
+            <a:ext cx="6126480" cy="3931920"/>
+          </a:xfrm>
+          <a:solidFill>
+            <a:schemeClr val="tx2">
+              <a:lumMod val="60000"/>
+              <a:lumOff val="40000"/>
+            </a:schemeClr>
+          </a:solidFill>
+        </p:spPr>
+        <p:txBody>
+          <a:bodyPr tIns="365760" anchor="t"/>
+          <a:lstStyle>
+            <a:lvl1pPr marL="0" indent="0" algn="ctr">
+              <a:buNone/>
+              <a:defRPr sz="3199">
+                <a:solidFill>
+                  <a:schemeClr val="tx1">
+                    <a:lumMod val="50000"/>
+                  </a:schemeClr>
+                </a:solidFill>
+              </a:defRPr>
+            </a:lvl1pPr>
+            <a:lvl2pPr marL="457063" indent="0">
+              <a:buNone/>
+              <a:defRPr sz="2799"/>
+            </a:lvl2pPr>
+            <a:lvl3pPr marL="914126" indent="0">
+              <a:buNone/>
+              <a:defRPr sz="2399"/>
+            </a:lvl3pPr>
+            <a:lvl4pPr marL="1371189" indent="0">
+              <a:buNone/>
+              <a:defRPr sz="1999"/>
+            </a:lvl4pPr>
+            <a:lvl5pPr marL="1828251" indent="0">
+              <a:buNone/>
+              <a:defRPr sz="1999"/>
+            </a:lvl5pPr>
+            <a:lvl6pPr marL="2285314" indent="0">
+              <a:buNone/>
+              <a:defRPr sz="1999"/>
+            </a:lvl6pPr>
+            <a:lvl7pPr marL="2742377" indent="0">
+              <a:buNone/>
+              <a:defRPr sz="1999"/>
+            </a:lvl7pPr>
+            <a:lvl8pPr marL="3199440" indent="0">
+              <a:buNone/>
+              <a:defRPr sz="1999"/>
+            </a:lvl8pPr>
+            <a:lvl9pPr marL="3656503" indent="0">
+              <a:buNone/>
+              <a:defRPr sz="1999"/>
+            </a:lvl9pPr>
+          </a:lstStyle>
+          <a:p>
+            <a:r>
+              <a:rPr lang="en-US" smtClean="0"/>
+              <a:t>Click icon to add picture</a:t>
+            </a:r>
+            <a:endParaRPr lang="en-US" dirty="0"/>
+          </a:p>
+        </p:txBody>
+      </p:sp>
+      <p:sp>
+        <p:nvSpPr>
+          <p:cNvPr id="4" name="Text Placeholder 3"/>
+          <p:cNvSpPr>
+            <a:spLocks noGrp="1"/>
+          </p:cNvSpPr>
+          <p:nvPr>
+            <p:ph type="body" sz="half" idx="2"/>
+          </p:nvPr>
+        </p:nvSpPr>
+        <p:spPr>
+          <a:xfrm>
+            <a:off x="7790689" y="2150621"/>
+            <a:ext cx="3200400" cy="3429000"/>
           </a:xfrm>
         </p:spPr>
         <p:txBody>
-          <a:bodyPr anchor="b"/>
-          <a:lstStyle>
-            <a:lvl1pPr>
-              <a:defRPr sz="3200"/>
-            </a:lvl1pPr>
-          </a:lstStyle>
-          <a:p>
-            <a:r>
-              <a:rPr lang="en-US" smtClean="0"/>
-              <a:t>Click to edit Master title style</a:t>
-            </a:r>
-            <a:endParaRPr lang="en-US"/>
-          </a:p>
-        </p:txBody>
-      </p:sp>
-      <p:sp>
-        <p:nvSpPr>
-          <p:cNvPr id="3" name="Picture Placeholder 2"/>
-          <p:cNvSpPr>
-            <a:spLocks noGrp="1"/>
-          </p:cNvSpPr>
-          <p:nvPr>
-            <p:ph type="pic" idx="1"/>
-          </p:nvPr>
-        </p:nvSpPr>
-        <p:spPr>
-          <a:xfrm>
-            <a:off x="5183188" y="987425"/>
-            <a:ext cx="6172200" cy="4873625"/>
-          </a:xfrm>
-        </p:spPr>
-        <p:txBody>
-          <a:bodyPr/>
+          <a:bodyPr>
+            <a:normAutofit/>
+          </a:bodyPr>
           <a:lstStyle>
             <a:lvl1pPr marL="0" indent="0">
-              <a:buNone/>
-              <a:defRPr sz="3200"/>
+              <a:lnSpc>
+                <a:spcPct val="95000"/>
+              </a:lnSpc>
+              <a:buNone/>
+              <a:defRPr sz="1799"/>
             </a:lvl1pPr>
-            <a:lvl2pPr marL="457200" indent="0">
-              <a:buNone/>
-              <a:defRPr sz="2800"/>
+            <a:lvl2pPr marL="457063" indent="0">
+              <a:buNone/>
+              <a:defRPr sz="1200"/>
             </a:lvl2pPr>
-            <a:lvl3pPr marL="914400" indent="0">
-              <a:buNone/>
-              <a:defRPr sz="2400"/>
+            <a:lvl3pPr marL="914126" indent="0">
+              <a:buNone/>
+              <a:defRPr sz="1000"/>
             </a:lvl3pPr>
-            <a:lvl4pPr marL="1371600" indent="0">
-              <a:buNone/>
-              <a:defRPr sz="2000"/>
+            <a:lvl4pPr marL="1371189" indent="0">
+              <a:buNone/>
+              <a:defRPr sz="900"/>
             </a:lvl4pPr>
-            <a:lvl5pPr marL="1828800" indent="0">
-              <a:buNone/>
-              <a:defRPr sz="2000"/>
+            <a:lvl5pPr marL="1828251" indent="0">
+              <a:buNone/>
+              <a:defRPr sz="900"/>
             </a:lvl5pPr>
-            <a:lvl6pPr marL="2286000" indent="0">
-              <a:buNone/>
-              <a:defRPr sz="2000"/>
+            <a:lvl6pPr marL="2285314" indent="0">
+              <a:buNone/>
+              <a:defRPr sz="900"/>
             </a:lvl6pPr>
-            <a:lvl7pPr marL="2743200" indent="0">
-              <a:buNone/>
-              <a:defRPr sz="2000"/>
+            <a:lvl7pPr marL="2742377" indent="0">
+              <a:buNone/>
+              <a:defRPr sz="900"/>
             </a:lvl7pPr>
-            <a:lvl8pPr marL="3200400" indent="0">
-              <a:buNone/>
-              <a:defRPr sz="2000"/>
+            <a:lvl8pPr marL="3199440" indent="0">
+              <a:buNone/>
+              <a:defRPr sz="900"/>
             </a:lvl8pPr>
-            <a:lvl9pPr marL="3657600" indent="0">
-              <a:buNone/>
-              <a:defRPr sz="2000"/>
+            <a:lvl9pPr marL="3656503" indent="0">
+              <a:buNone/>
+              <a:defRPr sz="900"/>
             </a:lvl9pPr>
           </a:lstStyle>
           <a:p>
-            <a:endParaRPr lang="en-US"/>
-          </a:p>
-        </p:txBody>
-      </p:sp>
-      <p:sp>
-        <p:nvSpPr>
-          <p:cNvPr id="4" name="Text Placeholder 3"/>
-          <p:cNvSpPr>
-            <a:spLocks noGrp="1"/>
-          </p:cNvSpPr>
-          <p:nvPr>
-            <p:ph type="body" sz="half" idx="2"/>
-          </p:nvPr>
-        </p:nvSpPr>
-        <p:spPr>
-          <a:xfrm>
-            <a:off x="839788" y="2057400"/>
-            <a:ext cx="3932237" cy="3811588"/>
-          </a:xfrm>
-        </p:spPr>
-        <p:txBody>
-          <a:bodyPr/>
-          <a:lstStyle>
-            <a:lvl1pPr marL="0" indent="0">
-              <a:buNone/>
-              <a:defRPr sz="1600"/>
-            </a:lvl1pPr>
-            <a:lvl2pPr marL="457200" indent="0">
-              <a:buNone/>
-              <a:defRPr sz="1400"/>
-            </a:lvl2pPr>
-            <a:lvl3pPr marL="914400" indent="0">
-              <a:buNone/>
-              <a:defRPr sz="1200"/>
-            </a:lvl3pPr>
-            <a:lvl4pPr marL="1371600" indent="0">
-              <a:buNone/>
-              <a:defRPr sz="1000"/>
-            </a:lvl4pPr>
-            <a:lvl5pPr marL="1828800" indent="0">
-              <a:buNone/>
-              <a:defRPr sz="1000"/>
-            </a:lvl5pPr>
-            <a:lvl6pPr marL="2286000" indent="0">
-              <a:buNone/>
-              <a:defRPr sz="1000"/>
-            </a:lvl6pPr>
-            <a:lvl7pPr marL="2743200" indent="0">
-              <a:buNone/>
-              <a:defRPr sz="1000"/>
-            </a:lvl7pPr>
-            <a:lvl8pPr marL="3200400" indent="0">
-              <a:buNone/>
-              <a:defRPr sz="1000"/>
-            </a:lvl8pPr>
-            <a:lvl9pPr marL="3657600" indent="0">
-              <a:buNone/>
-              <a:defRPr sz="1000"/>
-            </a:lvl9pPr>
-          </a:lstStyle>
-          <a:p>
             <a:pPr lvl="0"/>
             <a:r>
               <a:rPr lang="en-US" smtClean="0"/>
@@ -2826,9 +3509,9 @@
           <a:bodyPr/>
           <a:lstStyle/>
           <a:p>
-            <a:fld id="{B6ADCEFD-FD35-43A2-9CAF-03C395A742C6}" type="datetime1">
-              <a:rPr lang="en-US" smtClean="0"/>
-              <a:t>2/29/2016</a:t>
+            <a:fld id="{B63B1136-07A5-412D-A62D-DEE0FC6E4C31}" type="datetime1">
+              <a:rPr lang="en-US" smtClean="0"/>
+              <a:t>02/29/2016</a:t>
             </a:fld>
             <a:endParaRPr lang="en-US"/>
           </a:p>
@@ -2883,13 +3566,32 @@
     </p:spTree>
     <p:extLst>
       <p:ext uri="{BB962C8B-B14F-4D97-AF65-F5344CB8AC3E}">
-        <p14:creationId xmlns:p14="http://schemas.microsoft.com/office/powerpoint/2010/main" val="3942635327"/>
+        <p14:creationId xmlns:p14="http://schemas.microsoft.com/office/powerpoint/2010/main" val="2064471790"/>
       </p:ext>
     </p:extLst>
   </p:cSld>
   <p:clrMapOvr>
     <a:masterClrMapping/>
   </p:clrMapOvr>
+  <mc:AlternateContent xmlns:mc="http://schemas.openxmlformats.org/markup-compatibility/2006" xmlns:p14="http://schemas.microsoft.com/office/powerpoint/2010/main">
+    <mc:Choice Requires="p14">
+      <p:transition spd="med" p14:dur="700">
+        <p:fade/>
+      </p:transition>
+    </mc:Choice>
+    <mc:Fallback xmlns="">
+      <p:transition spd="med">
+        <p:fade/>
+      </p:transition>
+    </mc:Fallback>
+  </mc:AlternateContent>
+  <p:timing>
+    <p:tnLst>
+      <p:par>
+        <p:cTn id="1" dur="indefinite" restart="never" nodeType="tmRoot"/>
+      </p:par>
+    </p:tnLst>
+  </p:timing>
 </p:sldLayout>
 </file>
 
@@ -2898,7 +3600,7 @@
   <p:cSld>
     <p:bg>
       <p:bgRef idx="1001">
-        <a:schemeClr val="bg1"/>
+        <a:schemeClr val="bg2"/>
       </p:bgRef>
     </p:bg>
     <p:spTree>
@@ -2917,18 +3619,56 @@
       </p:grpSpPr>
       <p:sp>
         <p:nvSpPr>
-          <p:cNvPr id="2" name="Title Placeholder 1"/>
-          <p:cNvSpPr>
-            <a:spLocks noGrp="1"/>
-          </p:cNvSpPr>
-          <p:nvPr>
-            <p:ph type="title"/>
-          </p:nvPr>
+          <p:cNvPr id="7" name="Rectangle 6"/>
+          <p:cNvSpPr/>
+          <p:nvPr/>
         </p:nvSpPr>
         <p:spPr>
           <a:xfrm>
-            <a:off x="838200" y="365125"/>
-            <a:ext cx="10515600" cy="1325563"/>
+            <a:off x="483" y="176109"/>
+            <a:ext cx="12188952" cy="1645919"/>
+          </a:xfrm>
+          <a:prstGeom prst="rect">
+            <a:avLst/>
+          </a:prstGeom>
+          <a:solidFill>
+            <a:schemeClr val="tx1"/>
+          </a:solidFill>
+          <a:ln>
+            <a:noFill/>
+          </a:ln>
+        </p:spPr>
+        <p:style>
+          <a:lnRef idx="2">
+            <a:schemeClr val="accent1">
+              <a:shade val="50000"/>
+            </a:schemeClr>
+          </a:lnRef>
+          <a:fillRef idx="1">
+            <a:schemeClr val="accent1"/>
+          </a:fillRef>
+          <a:effectRef idx="0">
+            <a:schemeClr val="accent1"/>
+          </a:effectRef>
+          <a:fontRef idx="minor">
+            <a:schemeClr val="lt1"/>
+          </a:fontRef>
+        </p:style>
+      </p:sp>
+      <p:sp>
+        <p:nvSpPr>
+          <p:cNvPr id="2" name="Title Placeholder 1"/>
+          <p:cNvSpPr>
+            <a:spLocks noGrp="1"/>
+          </p:cNvSpPr>
+          <p:nvPr>
+            <p:ph type="title"/>
+          </p:nvPr>
+        </p:nvSpPr>
+        <p:spPr>
+          <a:xfrm>
+            <a:off x="1202919" y="284176"/>
+            <a:ext cx="9784080" cy="1508760"/>
           </a:xfrm>
           <a:prstGeom prst="rect">
             <a:avLst/>
@@ -2944,7 +3684,7 @@
               <a:rPr lang="en-US" smtClean="0"/>
               <a:t>Click to edit Master title style</a:t>
             </a:r>
-            <a:endParaRPr lang="en-US"/>
+            <a:endParaRPr lang="en-US" dirty="0"/>
           </a:p>
         </p:txBody>
       </p:sp>
@@ -2960,8 +3700,8 @@
         </p:nvSpPr>
         <p:spPr>
           <a:xfrm>
-            <a:off x="838200" y="1825625"/>
-            <a:ext cx="10515600" cy="4351338"/>
+            <a:off x="1202919" y="2011680"/>
+            <a:ext cx="9784080" cy="4206240"/>
           </a:xfrm>
           <a:prstGeom prst="rect">
             <a:avLst/>
@@ -3006,7 +3746,7 @@
               <a:rPr lang="en-US" smtClean="0"/>
               <a:t>Fifth level</a:t>
             </a:r>
-            <a:endParaRPr lang="en-US"/>
+            <a:endParaRPr lang="en-US" dirty="0"/>
           </a:p>
         </p:txBody>
       </p:sp>
@@ -3022,30 +3762,28 @@
         </p:nvSpPr>
         <p:spPr>
           <a:xfrm>
-            <a:off x="838200" y="6356350"/>
-            <a:ext cx="2743200" cy="365125"/>
+            <a:off x="1202267" y="6422856"/>
+            <a:ext cx="3000894" cy="365125"/>
           </a:xfrm>
           <a:prstGeom prst="rect">
             <a:avLst/>
           </a:prstGeom>
         </p:spPr>
         <p:txBody>
-          <a:bodyPr vert="horz" lIns="91440" tIns="45720" rIns="91440" bIns="45720" rtlCol="0" anchor="ctr"/>
+          <a:bodyPr vert="horz" lIns="91440" tIns="45720" rIns="45720" bIns="45720" rtlCol="0" anchor="ctr"/>
           <a:lstStyle>
             <a:lvl1pPr algn="l">
-              <a:defRPr sz="1200">
+              <a:defRPr sz="1050">
                 <a:solidFill>
-                  <a:schemeClr val="tx1">
-                    <a:tint val="75000"/>
-                  </a:schemeClr>
+                  <a:schemeClr val="tx1"/>
                 </a:solidFill>
               </a:defRPr>
             </a:lvl1pPr>
           </a:lstStyle>
           <a:p>
-            <a:fld id="{BA44F690-650C-4BC9-A66A-1AFB88CA1190}" type="datetime1">
-              <a:rPr lang="en-US" smtClean="0"/>
-              <a:t>2/29/2016</a:t>
+            <a:fld id="{180A46B1-C197-4F56-9C3E-B24582DF129F}" type="datetime1">
+              <a:rPr lang="en-US" smtClean="0"/>
+              <a:t>02/29/2016</a:t>
             </a:fld>
             <a:endParaRPr lang="en-US"/>
           </a:p>
@@ -3063,8 +3801,8 @@
         </p:nvSpPr>
         <p:spPr>
           <a:xfrm>
-            <a:off x="4038600" y="6356350"/>
-            <a:ext cx="4114800" cy="365125"/>
+            <a:off x="5596471" y="6422856"/>
+            <a:ext cx="5044440" cy="365125"/>
           </a:xfrm>
           <a:prstGeom prst="rect">
             <a:avLst/>
@@ -3073,12 +3811,10 @@
         <p:txBody>
           <a:bodyPr vert="horz" lIns="91440" tIns="45720" rIns="91440" bIns="45720" rtlCol="0" anchor="ctr"/>
           <a:lstStyle>
-            <a:lvl1pPr algn="ctr">
-              <a:defRPr sz="1200">
+            <a:lvl1pPr algn="r">
+              <a:defRPr sz="1050">
                 <a:solidFill>
-                  <a:schemeClr val="tx1">
-                    <a:tint val="75000"/>
-                  </a:schemeClr>
+                  <a:schemeClr val="tx1"/>
                 </a:solidFill>
               </a:defRPr>
             </a:lvl1pPr>
@@ -3104,22 +3840,20 @@
         </p:nvSpPr>
         <p:spPr>
           <a:xfrm>
-            <a:off x="8610600" y="6356350"/>
-            <a:ext cx="2743200" cy="365125"/>
+            <a:off x="10658927" y="6422856"/>
+            <a:ext cx="946264" cy="365125"/>
           </a:xfrm>
           <a:prstGeom prst="rect">
             <a:avLst/>
           </a:prstGeom>
         </p:spPr>
         <p:txBody>
-          <a:bodyPr vert="horz" lIns="91440" tIns="45720" rIns="91440" bIns="45720" rtlCol="0" anchor="ctr"/>
+          <a:bodyPr vert="horz" lIns="45720" tIns="45720" rIns="91440" bIns="45720" rtlCol="0" anchor="ctr"/>
           <a:lstStyle>
-            <a:lvl1pPr algn="r">
-              <a:defRPr sz="1200">
+            <a:lvl1pPr algn="l">
+              <a:defRPr sz="1200" b="0">
                 <a:solidFill>
-                  <a:schemeClr val="tx1">
-                    <a:tint val="75000"/>
-                  </a:schemeClr>
+                  <a:schemeClr val="tx1"/>
                 </a:solidFill>
               </a:defRPr>
             </a:lvl1pPr>
@@ -3136,38 +3870,57 @@
     </p:spTree>
     <p:extLst>
       <p:ext uri="{BB962C8B-B14F-4D97-AF65-F5344CB8AC3E}">
-        <p14:creationId xmlns:p14="http://schemas.microsoft.com/office/powerpoint/2010/main" val="668636363"/>
+        <p14:creationId xmlns:p14="http://schemas.microsoft.com/office/powerpoint/2010/main" val="3515169375"/>
       </p:ext>
     </p:extLst>
   </p:cSld>
-  <p:clrMap bg1="lt1" tx1="dk1" bg2="lt2" tx2="dk2" accent1="accent1" accent2="accent2" accent3="accent3" accent4="accent4" accent5="accent5" accent6="accent6" hlink="hlink" folHlink="folHlink"/>
+  <p:clrMap bg1="dk1" tx1="lt1" bg2="dk2" tx2="lt2" accent1="accent1" accent2="accent2" accent3="accent3" accent4="accent4" accent5="accent5" accent6="accent6" hlink="hlink" folHlink="folHlink"/>
   <p:sldLayoutIdLst>
-    <p:sldLayoutId id="2147483649" r:id="rId1"/>
-    <p:sldLayoutId id="2147483650" r:id="rId2"/>
-    <p:sldLayoutId id="2147483651" r:id="rId3"/>
-    <p:sldLayoutId id="2147483652" r:id="rId4"/>
-    <p:sldLayoutId id="2147483653" r:id="rId5"/>
-    <p:sldLayoutId id="2147483654" r:id="rId6"/>
-    <p:sldLayoutId id="2147483655" r:id="rId7"/>
-    <p:sldLayoutId id="2147483656" r:id="rId8"/>
-    <p:sldLayoutId id="2147483657" r:id="rId9"/>
-    <p:sldLayoutId id="2147483658" r:id="rId10"/>
-    <p:sldLayoutId id="2147483659" r:id="rId11"/>
+    <p:sldLayoutId id="2147483661" r:id="rId1"/>
+    <p:sldLayoutId id="2147483662" r:id="rId2"/>
+    <p:sldLayoutId id="2147483663" r:id="rId3"/>
+    <p:sldLayoutId id="2147483664" r:id="rId4"/>
+    <p:sldLayoutId id="2147483665" r:id="rId5"/>
+    <p:sldLayoutId id="2147483666" r:id="rId6"/>
+    <p:sldLayoutId id="2147483667" r:id="rId7"/>
+    <p:sldLayoutId id="2147483668" r:id="rId8"/>
+    <p:sldLayoutId id="2147483669" r:id="rId9"/>
+    <p:sldLayoutId id="2147483670" r:id="rId10"/>
+    <p:sldLayoutId id="2147483671" r:id="rId11"/>
   </p:sldLayoutIdLst>
-  <p:hf hdr="0" dt="0"/>
+  <mc:AlternateContent xmlns:mc="http://schemas.openxmlformats.org/markup-compatibility/2006" xmlns:p14="http://schemas.microsoft.com/office/powerpoint/2010/main">
+    <mc:Choice Requires="p14">
+      <p:transition spd="med" p14:dur="700">
+        <p:fade/>
+      </p:transition>
+    </mc:Choice>
+    <mc:Fallback xmlns="">
+      <p:transition spd="med">
+        <p:fade/>
+      </p:transition>
+    </mc:Fallback>
+  </mc:AlternateContent>
+  <p:timing>
+    <p:tnLst>
+      <p:par>
+        <p:cTn id="1" dur="indefinite" restart="never" nodeType="tmRoot"/>
+      </p:par>
+    </p:tnLst>
+  </p:timing>
+  <p:hf hdr="0"/>
   <p:txStyles>
     <p:titleStyle>
-      <a:lvl1pPr algn="l" defTabSz="914400" rtl="0" eaLnBrk="1" latinLnBrk="0" hangingPunct="1">
+      <a:lvl1pPr algn="l" defTabSz="914126" rtl="0" eaLnBrk="1" latinLnBrk="0" hangingPunct="1">
         <a:lnSpc>
-          <a:spcPct val="90000"/>
+          <a:spcPct val="85000"/>
         </a:lnSpc>
         <a:spcBef>
           <a:spcPct val="0"/>
         </a:spcBef>
         <a:buNone/>
-        <a:defRPr sz="4400" kern="1200">
+        <a:defRPr sz="3999" kern="1200" cap="all" baseline="0">
           <a:solidFill>
-            <a:schemeClr val="tx1"/>
+            <a:schemeClr val="bg2"/>
           </a:solidFill>
           <a:latin typeface="+mj-lt"/>
           <a:ea typeface="+mj-ea"/>
@@ -3176,16 +3929,22 @@
       </a:lvl1pPr>
     </p:titleStyle>
     <p:bodyStyle>
-      <a:lvl1pPr marL="228600" indent="-228600" algn="l" defTabSz="914400" rtl="0" eaLnBrk="1" latinLnBrk="0" hangingPunct="1">
+      <a:lvl1pPr marL="182825" indent="-182825" algn="l" defTabSz="914126" rtl="0" eaLnBrk="1" latinLnBrk="0" hangingPunct="1">
         <a:lnSpc>
           <a:spcPct val="90000"/>
         </a:lnSpc>
         <a:spcBef>
-          <a:spcPts val="1000"/>
+          <a:spcPts val="1200"/>
         </a:spcBef>
-        <a:buFont typeface="Arial" panose="020B0604020202020204" pitchFamily="34" charset="0"/>
-        <a:buChar char="•"/>
-        <a:defRPr sz="2800" kern="1200">
+        <a:spcAft>
+          <a:spcPts val="200"/>
+        </a:spcAft>
+        <a:buClr>
+          <a:schemeClr val="tx1"/>
+        </a:buClr>
+        <a:buFont typeface="Wingdings" pitchFamily="2" charset="2"/>
+        <a:buChar char=""/>
+        <a:defRPr sz="2199" kern="1200">
           <a:solidFill>
             <a:schemeClr val="tx1"/>
           </a:solidFill>
@@ -3194,16 +3953,22 @@
           <a:cs typeface="+mn-cs"/>
         </a:defRPr>
       </a:lvl1pPr>
-      <a:lvl2pPr marL="685800" indent="-228600" algn="l" defTabSz="914400" rtl="0" eaLnBrk="1" latinLnBrk="0" hangingPunct="1">
+      <a:lvl2pPr marL="411357" indent="-182825" algn="l" defTabSz="914126" rtl="0" eaLnBrk="1" latinLnBrk="0" hangingPunct="1">
         <a:lnSpc>
           <a:spcPct val="90000"/>
         </a:lnSpc>
         <a:spcBef>
-          <a:spcPts val="500"/>
+          <a:spcPts val="200"/>
         </a:spcBef>
-        <a:buFont typeface="Arial" panose="020B0604020202020204" pitchFamily="34" charset="0"/>
-        <a:buChar char="•"/>
-        <a:defRPr sz="2400" kern="1200">
+        <a:spcAft>
+          <a:spcPts val="400"/>
+        </a:spcAft>
+        <a:buClr>
+          <a:schemeClr val="tx1"/>
+        </a:buClr>
+        <a:buFont typeface="Wingdings" pitchFamily="2" charset="2"/>
+        <a:buChar char=""/>
+        <a:defRPr sz="1999" kern="1200">
           <a:solidFill>
             <a:schemeClr val="tx1"/>
           </a:solidFill>
@@ -3212,16 +3977,22 @@
           <a:cs typeface="+mn-cs"/>
         </a:defRPr>
       </a:lvl2pPr>
-      <a:lvl3pPr marL="1143000" indent="-228600" algn="l" defTabSz="914400" rtl="0" eaLnBrk="1" latinLnBrk="0" hangingPunct="1">
+      <a:lvl3pPr marL="639888" indent="-182825" algn="l" defTabSz="914126" rtl="0" eaLnBrk="1" latinLnBrk="0" hangingPunct="1">
         <a:lnSpc>
           <a:spcPct val="90000"/>
         </a:lnSpc>
         <a:spcBef>
-          <a:spcPts val="500"/>
+          <a:spcPts val="200"/>
         </a:spcBef>
-        <a:buFont typeface="Arial" panose="020B0604020202020204" pitchFamily="34" charset="0"/>
-        <a:buChar char="•"/>
-        <a:defRPr sz="2000" kern="1200">
+        <a:spcAft>
+          <a:spcPts val="400"/>
+        </a:spcAft>
+        <a:buClr>
+          <a:schemeClr val="tx1"/>
+        </a:buClr>
+        <a:buFont typeface="Wingdings" pitchFamily="2" charset="2"/>
+        <a:buChar char=""/>
+        <a:defRPr sz="1799" kern="1200">
           <a:solidFill>
             <a:schemeClr val="tx1"/>
           </a:solidFill>
@@ -3230,16 +4001,22 @@
           <a:cs typeface="+mn-cs"/>
         </a:defRPr>
       </a:lvl3pPr>
-      <a:lvl4pPr marL="1600200" indent="-228600" algn="l" defTabSz="914400" rtl="0" eaLnBrk="1" latinLnBrk="0" hangingPunct="1">
+      <a:lvl4pPr marL="868419" indent="-182825" algn="l" defTabSz="914126" rtl="0" eaLnBrk="1" latinLnBrk="0" hangingPunct="1">
         <a:lnSpc>
           <a:spcPct val="90000"/>
         </a:lnSpc>
         <a:spcBef>
-          <a:spcPts val="500"/>
+          <a:spcPts val="200"/>
         </a:spcBef>
-        <a:buFont typeface="Arial" panose="020B0604020202020204" pitchFamily="34" charset="0"/>
-        <a:buChar char="•"/>
-        <a:defRPr sz="1800" kern="1200">
+        <a:spcAft>
+          <a:spcPts val="400"/>
+        </a:spcAft>
+        <a:buClr>
+          <a:schemeClr val="tx1"/>
+        </a:buClr>
+        <a:buFont typeface="Wingdings" pitchFamily="2" charset="2"/>
+        <a:buChar char=""/>
+        <a:defRPr sz="1600" kern="1200">
           <a:solidFill>
             <a:schemeClr val="tx1"/>
           </a:solidFill>
@@ -3248,16 +4025,22 @@
           <a:cs typeface="+mn-cs"/>
         </a:defRPr>
       </a:lvl4pPr>
-      <a:lvl5pPr marL="2057400" indent="-228600" algn="l" defTabSz="914400" rtl="0" eaLnBrk="1" latinLnBrk="0" hangingPunct="1">
+      <a:lvl5pPr marL="1096951" indent="-182825" algn="l" defTabSz="914126" rtl="0" eaLnBrk="1" latinLnBrk="0" hangingPunct="1">
         <a:lnSpc>
           <a:spcPct val="90000"/>
         </a:lnSpc>
         <a:spcBef>
-          <a:spcPts val="500"/>
+          <a:spcPts val="200"/>
         </a:spcBef>
-        <a:buFont typeface="Arial" panose="020B0604020202020204" pitchFamily="34" charset="0"/>
-        <a:buChar char="•"/>
-        <a:defRPr sz="1800" kern="1200">
+        <a:spcAft>
+          <a:spcPts val="400"/>
+        </a:spcAft>
+        <a:buClr>
+          <a:schemeClr val="tx1"/>
+        </a:buClr>
+        <a:buFont typeface="Wingdings" pitchFamily="2" charset="2"/>
+        <a:buChar char=""/>
+        <a:defRPr sz="1600" kern="1200">
           <a:solidFill>
             <a:schemeClr val="tx1"/>
           </a:solidFill>
@@ -3266,16 +4049,22 @@
           <a:cs typeface="+mn-cs"/>
         </a:defRPr>
       </a:lvl5pPr>
-      <a:lvl6pPr marL="2514600" indent="-228600" algn="l" defTabSz="914400" rtl="0" eaLnBrk="1" latinLnBrk="0" hangingPunct="1">
+      <a:lvl6pPr marL="1284215" indent="-228531" algn="l" defTabSz="914126" rtl="0" eaLnBrk="1" latinLnBrk="0" hangingPunct="1">
         <a:lnSpc>
           <a:spcPct val="90000"/>
         </a:lnSpc>
         <a:spcBef>
-          <a:spcPts val="500"/>
+          <a:spcPts val="200"/>
         </a:spcBef>
-        <a:buFont typeface="Arial" panose="020B0604020202020204" pitchFamily="34" charset="0"/>
-        <a:buChar char="•"/>
-        <a:defRPr sz="1800" kern="1200">
+        <a:spcAft>
+          <a:spcPts val="400"/>
+        </a:spcAft>
+        <a:buClr>
+          <a:schemeClr val="tx1"/>
+        </a:buClr>
+        <a:buFont typeface="Wingdings" pitchFamily="2" charset="2"/>
+        <a:buChar char=""/>
+        <a:defRPr sz="1600" kern="1200">
           <a:solidFill>
             <a:schemeClr val="tx1"/>
           </a:solidFill>
@@ -3284,16 +4073,22 @@
           <a:cs typeface="+mn-cs"/>
         </a:defRPr>
       </a:lvl6pPr>
-      <a:lvl7pPr marL="2971800" indent="-228600" algn="l" defTabSz="914400" rtl="0" eaLnBrk="1" latinLnBrk="0" hangingPunct="1">
+      <a:lvl7pPr marL="1471358" indent="-228531" algn="l" defTabSz="914126" rtl="0" eaLnBrk="1" latinLnBrk="0" hangingPunct="1">
         <a:lnSpc>
           <a:spcPct val="90000"/>
         </a:lnSpc>
         <a:spcBef>
-          <a:spcPts val="500"/>
+          <a:spcPts val="200"/>
         </a:spcBef>
-        <a:buFont typeface="Arial" panose="020B0604020202020204" pitchFamily="34" charset="0"/>
-        <a:buChar char="•"/>
-        <a:defRPr sz="1800" kern="1200">
+        <a:spcAft>
+          <a:spcPts val="400"/>
+        </a:spcAft>
+        <a:buClr>
+          <a:schemeClr val="tx1"/>
+        </a:buClr>
+        <a:buFont typeface="Wingdings" pitchFamily="2" charset="2"/>
+        <a:buChar char=""/>
+        <a:defRPr sz="1600" kern="1200">
           <a:solidFill>
             <a:schemeClr val="tx1"/>
           </a:solidFill>
@@ -3302,16 +4097,22 @@
           <a:cs typeface="+mn-cs"/>
         </a:defRPr>
       </a:lvl7pPr>
-      <a:lvl8pPr marL="3429000" indent="-228600" algn="l" defTabSz="914400" rtl="0" eaLnBrk="1" latinLnBrk="0" hangingPunct="1">
+      <a:lvl8pPr marL="1628511" indent="-228531" algn="l" defTabSz="914126" rtl="0" eaLnBrk="1" latinLnBrk="0" hangingPunct="1">
         <a:lnSpc>
           <a:spcPct val="90000"/>
         </a:lnSpc>
         <a:spcBef>
-          <a:spcPts val="500"/>
+          <a:spcPts val="200"/>
         </a:spcBef>
-        <a:buFont typeface="Arial" panose="020B0604020202020204" pitchFamily="34" charset="0"/>
-        <a:buChar char="•"/>
-        <a:defRPr sz="1800" kern="1200">
+        <a:spcAft>
+          <a:spcPts val="400"/>
+        </a:spcAft>
+        <a:buClr>
+          <a:schemeClr val="tx1"/>
+        </a:buClr>
+        <a:buFont typeface="Wingdings" pitchFamily="2" charset="2"/>
+        <a:buChar char=""/>
+        <a:defRPr sz="1600" kern="1200">
           <a:solidFill>
             <a:schemeClr val="tx1"/>
           </a:solidFill>
@@ -3320,16 +4121,22 @@
           <a:cs typeface="+mn-cs"/>
         </a:defRPr>
       </a:lvl8pPr>
-      <a:lvl9pPr marL="3886200" indent="-228600" algn="l" defTabSz="914400" rtl="0" eaLnBrk="1" latinLnBrk="0" hangingPunct="1">
+      <a:lvl9pPr marL="1805658" indent="-228531" algn="l" defTabSz="914126" rtl="0" eaLnBrk="1" latinLnBrk="0" hangingPunct="1">
         <a:lnSpc>
           <a:spcPct val="90000"/>
         </a:lnSpc>
         <a:spcBef>
-          <a:spcPts val="500"/>
+          <a:spcPts val="200"/>
         </a:spcBef>
-        <a:buFont typeface="Arial" panose="020B0604020202020204" pitchFamily="34" charset="0"/>
-        <a:buChar char="•"/>
-        <a:defRPr sz="1800" kern="1200">
+        <a:spcAft>
+          <a:spcPts val="400"/>
+        </a:spcAft>
+        <a:buClr>
+          <a:schemeClr val="tx1"/>
+        </a:buClr>
+        <a:buFont typeface="Wingdings" pitchFamily="2" charset="2"/>
+        <a:buChar char=""/>
+        <a:defRPr sz="1600" kern="1200">
           <a:solidFill>
             <a:schemeClr val="tx1"/>
           </a:solidFill>
@@ -3343,8 +4150,8 @@
       <a:defPPr>
         <a:defRPr lang="en-US"/>
       </a:defPPr>
-      <a:lvl1pPr marL="0" algn="l" defTabSz="914400" rtl="0" eaLnBrk="1" latinLnBrk="0" hangingPunct="1">
-        <a:defRPr sz="1800" kern="1200">
+      <a:lvl1pPr marL="0" algn="l" defTabSz="914126" rtl="0" eaLnBrk="1" latinLnBrk="0" hangingPunct="1">
+        <a:defRPr sz="1799" kern="1200">
           <a:solidFill>
             <a:schemeClr val="tx1"/>
           </a:solidFill>
@@ -3353,8 +4160,8 @@
           <a:cs typeface="+mn-cs"/>
         </a:defRPr>
       </a:lvl1pPr>
-      <a:lvl2pPr marL="457200" algn="l" defTabSz="914400" rtl="0" eaLnBrk="1" latinLnBrk="0" hangingPunct="1">
-        <a:defRPr sz="1800" kern="1200">
+      <a:lvl2pPr marL="457063" algn="l" defTabSz="914126" rtl="0" eaLnBrk="1" latinLnBrk="0" hangingPunct="1">
+        <a:defRPr sz="1799" kern="1200">
           <a:solidFill>
             <a:schemeClr val="tx1"/>
           </a:solidFill>
@@ -3363,8 +4170,8 @@
           <a:cs typeface="+mn-cs"/>
         </a:defRPr>
       </a:lvl2pPr>
-      <a:lvl3pPr marL="914400" algn="l" defTabSz="914400" rtl="0" eaLnBrk="1" latinLnBrk="0" hangingPunct="1">
-        <a:defRPr sz="1800" kern="1200">
+      <a:lvl3pPr marL="914126" algn="l" defTabSz="914126" rtl="0" eaLnBrk="1" latinLnBrk="0" hangingPunct="1">
+        <a:defRPr sz="1799" kern="1200">
           <a:solidFill>
             <a:schemeClr val="tx1"/>
           </a:solidFill>
@@ -3373,8 +4180,8 @@
           <a:cs typeface="+mn-cs"/>
         </a:defRPr>
       </a:lvl3pPr>
-      <a:lvl4pPr marL="1371600" algn="l" defTabSz="914400" rtl="0" eaLnBrk="1" latinLnBrk="0" hangingPunct="1">
-        <a:defRPr sz="1800" kern="1200">
+      <a:lvl4pPr marL="1371189" algn="l" defTabSz="914126" rtl="0" eaLnBrk="1" latinLnBrk="0" hangingPunct="1">
+        <a:defRPr sz="1799" kern="1200">
           <a:solidFill>
             <a:schemeClr val="tx1"/>
           </a:solidFill>
@@ -3383,8 +4190,8 @@
           <a:cs typeface="+mn-cs"/>
         </a:defRPr>
       </a:lvl4pPr>
-      <a:lvl5pPr marL="1828800" algn="l" defTabSz="914400" rtl="0" eaLnBrk="1" latinLnBrk="0" hangingPunct="1">
-        <a:defRPr sz="1800" kern="1200">
+      <a:lvl5pPr marL="1828251" algn="l" defTabSz="914126" rtl="0" eaLnBrk="1" latinLnBrk="0" hangingPunct="1">
+        <a:defRPr sz="1799" kern="1200">
           <a:solidFill>
             <a:schemeClr val="tx1"/>
           </a:solidFill>
@@ -3393,8 +4200,8 @@
           <a:cs typeface="+mn-cs"/>
         </a:defRPr>
       </a:lvl5pPr>
-      <a:lvl6pPr marL="2286000" algn="l" defTabSz="914400" rtl="0" eaLnBrk="1" latinLnBrk="0" hangingPunct="1">
-        <a:defRPr sz="1800" kern="1200">
+      <a:lvl6pPr marL="2285314" algn="l" defTabSz="914126" rtl="0" eaLnBrk="1" latinLnBrk="0" hangingPunct="1">
+        <a:defRPr sz="1799" kern="1200">
           <a:solidFill>
             <a:schemeClr val="tx1"/>
           </a:solidFill>
@@ -3403,8 +4210,8 @@
           <a:cs typeface="+mn-cs"/>
         </a:defRPr>
       </a:lvl6pPr>
-      <a:lvl7pPr marL="2743200" algn="l" defTabSz="914400" rtl="0" eaLnBrk="1" latinLnBrk="0" hangingPunct="1">
-        <a:defRPr sz="1800" kern="1200">
+      <a:lvl7pPr marL="2742377" algn="l" defTabSz="914126" rtl="0" eaLnBrk="1" latinLnBrk="0" hangingPunct="1">
+        <a:defRPr sz="1799" kern="1200">
           <a:solidFill>
             <a:schemeClr val="tx1"/>
           </a:solidFill>
@@ -3413,8 +4220,8 @@
           <a:cs typeface="+mn-cs"/>
         </a:defRPr>
       </a:lvl7pPr>
-      <a:lvl8pPr marL="3200400" algn="l" defTabSz="914400" rtl="0" eaLnBrk="1" latinLnBrk="0" hangingPunct="1">
-        <a:defRPr sz="1800" kern="1200">
+      <a:lvl8pPr marL="3199440" algn="l" defTabSz="914126" rtl="0" eaLnBrk="1" latinLnBrk="0" hangingPunct="1">
+        <a:defRPr sz="1799" kern="1200">
           <a:solidFill>
             <a:schemeClr val="tx1"/>
           </a:solidFill>
@@ -3423,8 +4230,8 @@
           <a:cs typeface="+mn-cs"/>
         </a:defRPr>
       </a:lvl8pPr>
-      <a:lvl9pPr marL="3657600" algn="l" defTabSz="914400" rtl="0" eaLnBrk="1" latinLnBrk="0" hangingPunct="1">
-        <a:defRPr sz="1800" kern="1200">
+      <a:lvl9pPr marL="3656503" algn="l" defTabSz="914126" rtl="0" eaLnBrk="1" latinLnBrk="0" hangingPunct="1">
+        <a:defRPr sz="1799" kern="1200">
           <a:solidFill>
             <a:schemeClr val="tx1"/>
           </a:solidFill>
@@ -3484,35 +4291,448 @@
       </p:sp>
       <p:sp>
         <p:nvSpPr>
-          <p:cNvPr id="3" name="Subtitle 2"/>
-          <p:cNvSpPr>
-            <a:spLocks noGrp="1"/>
-          </p:cNvSpPr>
-          <p:nvPr>
-            <p:ph type="subTitle" idx="1"/>
-          </p:nvPr>
-        </p:nvSpPr>
-        <p:spPr/>
-        <p:txBody>
-          <a:bodyPr/>
-          <a:lstStyle/>
-          <a:p>
-            <a:r>
-              <a:rPr lang="en-US" dirty="0" smtClean="0"/>
-              <a:t>Spencer Smith</a:t>
-            </a:r>
-          </a:p>
-          <a:p>
-            <a:r>
-              <a:rPr lang="en-US" dirty="0" smtClean="0"/>
-              <a:t>Nathan Reinhardt</a:t>
-            </a:r>
-          </a:p>
-          <a:p>
-            <a:r>
-              <a:rPr lang="en-US" dirty="0" smtClean="0"/>
-              <a:t>Dylan Williams</a:t>
-            </a:r>
+          <p:cNvPr id="5" name="Subtitle 2"/>
+          <p:cNvSpPr txBox="1">
+            <a:spLocks/>
+          </p:cNvSpPr>
+          <p:nvPr/>
+        </p:nvSpPr>
+        <p:spPr>
+          <a:xfrm>
+            <a:off x="350468" y="4609070"/>
+            <a:ext cx="11503204" cy="1953768"/>
+          </a:xfrm>
+          <a:prstGeom prst="rect">
+            <a:avLst/>
+          </a:prstGeom>
+        </p:spPr>
+        <p:txBody>
+          <a:bodyPr vert="horz" lIns="91440" tIns="45720" rIns="91440" bIns="45720" numCol="2" rtlCol="0">
+            <a:normAutofit fontScale="85000" lnSpcReduction="20000"/>
+          </a:bodyPr>
+          <a:lstStyle>
+            <a:lvl1pPr marL="0" indent="0" algn="ctr" defTabSz="914126" rtl="0" eaLnBrk="1" latinLnBrk="0" hangingPunct="1">
+              <a:lnSpc>
+                <a:spcPct val="90000"/>
+              </a:lnSpc>
+              <a:spcBef>
+                <a:spcPts val="0"/>
+              </a:spcBef>
+              <a:spcAft>
+                <a:spcPts val="0"/>
+              </a:spcAft>
+              <a:buClr>
+                <a:schemeClr val="tx1"/>
+              </a:buClr>
+              <a:buFont typeface="Wingdings" pitchFamily="2" charset="2"/>
+              <a:buNone/>
+              <a:defRPr sz="1999" kern="1200">
+                <a:solidFill>
+                  <a:srgbClr val="FFFFFF"/>
+                </a:solidFill>
+                <a:latin typeface="+mn-lt"/>
+                <a:ea typeface="+mn-ea"/>
+                <a:cs typeface="+mn-cs"/>
+              </a:defRPr>
+            </a:lvl1pPr>
+            <a:lvl2pPr marL="457063" indent="0" algn="ctr" defTabSz="914126" rtl="0" eaLnBrk="1" latinLnBrk="0" hangingPunct="1">
+              <a:lnSpc>
+                <a:spcPct val="90000"/>
+              </a:lnSpc>
+              <a:spcBef>
+                <a:spcPts val="200"/>
+              </a:spcBef>
+              <a:spcAft>
+                <a:spcPts val="400"/>
+              </a:spcAft>
+              <a:buClr>
+                <a:schemeClr val="tx1"/>
+              </a:buClr>
+              <a:buFont typeface="Wingdings" pitchFamily="2" charset="2"/>
+              <a:buNone/>
+              <a:defRPr sz="1999" kern="1200">
+                <a:solidFill>
+                  <a:schemeClr val="tx1"/>
+                </a:solidFill>
+                <a:latin typeface="+mn-lt"/>
+                <a:ea typeface="+mn-ea"/>
+                <a:cs typeface="+mn-cs"/>
+              </a:defRPr>
+            </a:lvl2pPr>
+            <a:lvl3pPr marL="914126" indent="0" algn="ctr" defTabSz="914126" rtl="0" eaLnBrk="1" latinLnBrk="0" hangingPunct="1">
+              <a:lnSpc>
+                <a:spcPct val="90000"/>
+              </a:lnSpc>
+              <a:spcBef>
+                <a:spcPts val="200"/>
+              </a:spcBef>
+              <a:spcAft>
+                <a:spcPts val="400"/>
+              </a:spcAft>
+              <a:buClr>
+                <a:schemeClr val="tx1"/>
+              </a:buClr>
+              <a:buFont typeface="Wingdings" pitchFamily="2" charset="2"/>
+              <a:buNone/>
+              <a:defRPr sz="1999" kern="1200">
+                <a:solidFill>
+                  <a:schemeClr val="tx1"/>
+                </a:solidFill>
+                <a:latin typeface="+mn-lt"/>
+                <a:ea typeface="+mn-ea"/>
+                <a:cs typeface="+mn-cs"/>
+              </a:defRPr>
+            </a:lvl3pPr>
+            <a:lvl4pPr marL="1371189" indent="0" algn="ctr" defTabSz="914126" rtl="0" eaLnBrk="1" latinLnBrk="0" hangingPunct="1">
+              <a:lnSpc>
+                <a:spcPct val="90000"/>
+              </a:lnSpc>
+              <a:spcBef>
+                <a:spcPts val="200"/>
+              </a:spcBef>
+              <a:spcAft>
+                <a:spcPts val="400"/>
+              </a:spcAft>
+              <a:buClr>
+                <a:schemeClr val="tx1"/>
+              </a:buClr>
+              <a:buFont typeface="Wingdings" pitchFamily="2" charset="2"/>
+              <a:buNone/>
+              <a:defRPr sz="1999" kern="1200">
+                <a:solidFill>
+                  <a:schemeClr val="tx1"/>
+                </a:solidFill>
+                <a:latin typeface="+mn-lt"/>
+                <a:ea typeface="+mn-ea"/>
+                <a:cs typeface="+mn-cs"/>
+              </a:defRPr>
+            </a:lvl4pPr>
+            <a:lvl5pPr marL="1828251" indent="0" algn="ctr" defTabSz="914126" rtl="0" eaLnBrk="1" latinLnBrk="0" hangingPunct="1">
+              <a:lnSpc>
+                <a:spcPct val="90000"/>
+              </a:lnSpc>
+              <a:spcBef>
+                <a:spcPts val="200"/>
+              </a:spcBef>
+              <a:spcAft>
+                <a:spcPts val="400"/>
+              </a:spcAft>
+              <a:buClr>
+                <a:schemeClr val="tx1"/>
+              </a:buClr>
+              <a:buFont typeface="Wingdings" pitchFamily="2" charset="2"/>
+              <a:buNone/>
+              <a:defRPr sz="1999" kern="1200">
+                <a:solidFill>
+                  <a:schemeClr val="tx1"/>
+                </a:solidFill>
+                <a:latin typeface="+mn-lt"/>
+                <a:ea typeface="+mn-ea"/>
+                <a:cs typeface="+mn-cs"/>
+              </a:defRPr>
+            </a:lvl5pPr>
+            <a:lvl6pPr marL="2285314" indent="0" algn="ctr" defTabSz="914126" rtl="0" eaLnBrk="1" latinLnBrk="0" hangingPunct="1">
+              <a:lnSpc>
+                <a:spcPct val="90000"/>
+              </a:lnSpc>
+              <a:spcBef>
+                <a:spcPts val="200"/>
+              </a:spcBef>
+              <a:spcAft>
+                <a:spcPts val="400"/>
+              </a:spcAft>
+              <a:buClr>
+                <a:schemeClr val="tx1"/>
+              </a:buClr>
+              <a:buFont typeface="Wingdings" pitchFamily="2" charset="2"/>
+              <a:buNone/>
+              <a:defRPr sz="1999" kern="1200">
+                <a:solidFill>
+                  <a:schemeClr val="tx1"/>
+                </a:solidFill>
+                <a:latin typeface="+mn-lt"/>
+                <a:ea typeface="+mn-ea"/>
+                <a:cs typeface="+mn-cs"/>
+              </a:defRPr>
+            </a:lvl6pPr>
+            <a:lvl7pPr marL="2742377" indent="0" algn="ctr" defTabSz="914126" rtl="0" eaLnBrk="1" latinLnBrk="0" hangingPunct="1">
+              <a:lnSpc>
+                <a:spcPct val="90000"/>
+              </a:lnSpc>
+              <a:spcBef>
+                <a:spcPts val="200"/>
+              </a:spcBef>
+              <a:spcAft>
+                <a:spcPts val="400"/>
+              </a:spcAft>
+              <a:buClr>
+                <a:schemeClr val="tx1"/>
+              </a:buClr>
+              <a:buFont typeface="Wingdings" pitchFamily="2" charset="2"/>
+              <a:buNone/>
+              <a:defRPr sz="1999" kern="1200">
+                <a:solidFill>
+                  <a:schemeClr val="tx1"/>
+                </a:solidFill>
+                <a:latin typeface="+mn-lt"/>
+                <a:ea typeface="+mn-ea"/>
+                <a:cs typeface="+mn-cs"/>
+              </a:defRPr>
+            </a:lvl7pPr>
+            <a:lvl8pPr marL="3199440" indent="0" algn="ctr" defTabSz="914126" rtl="0" eaLnBrk="1" latinLnBrk="0" hangingPunct="1">
+              <a:lnSpc>
+                <a:spcPct val="90000"/>
+              </a:lnSpc>
+              <a:spcBef>
+                <a:spcPts val="200"/>
+              </a:spcBef>
+              <a:spcAft>
+                <a:spcPts val="400"/>
+              </a:spcAft>
+              <a:buClr>
+                <a:schemeClr val="tx1"/>
+              </a:buClr>
+              <a:buFont typeface="Wingdings" pitchFamily="2" charset="2"/>
+              <a:buNone/>
+              <a:defRPr sz="1999" kern="1200">
+                <a:solidFill>
+                  <a:schemeClr val="tx1"/>
+                </a:solidFill>
+                <a:latin typeface="+mn-lt"/>
+                <a:ea typeface="+mn-ea"/>
+                <a:cs typeface="+mn-cs"/>
+              </a:defRPr>
+            </a:lvl8pPr>
+            <a:lvl9pPr marL="3656503" indent="0" algn="ctr" defTabSz="914126" rtl="0" eaLnBrk="1" latinLnBrk="0" hangingPunct="1">
+              <a:lnSpc>
+                <a:spcPct val="90000"/>
+              </a:lnSpc>
+              <a:spcBef>
+                <a:spcPts val="200"/>
+              </a:spcBef>
+              <a:spcAft>
+                <a:spcPts val="400"/>
+              </a:spcAft>
+              <a:buClr>
+                <a:schemeClr val="tx1"/>
+              </a:buClr>
+              <a:buFont typeface="Wingdings" pitchFamily="2" charset="2"/>
+              <a:buNone/>
+              <a:defRPr sz="1999" kern="1200">
+                <a:solidFill>
+                  <a:schemeClr val="tx1"/>
+                </a:solidFill>
+                <a:latin typeface="+mn-lt"/>
+                <a:ea typeface="+mn-ea"/>
+                <a:cs typeface="+mn-cs"/>
+              </a:defRPr>
+            </a:lvl9pPr>
+          </a:lstStyle>
+          <a:p>
+            <a:r>
+              <a:rPr lang="en-US" sz="3600" b="1" u="sng" dirty="0" smtClean="0">
+                <a:solidFill>
+                  <a:schemeClr val="tx2">
+                    <a:lumMod val="90000"/>
+                    <a:lumOff val="10000"/>
+                  </a:schemeClr>
+                </a:solidFill>
+              </a:rPr>
+              <a:t>Developers</a:t>
+            </a:r>
+          </a:p>
+          <a:p>
+            <a:endParaRPr lang="en-US" sz="3600" b="1" u="sng" dirty="0" smtClean="0">
+              <a:solidFill>
+                <a:schemeClr val="tx2">
+                  <a:lumMod val="90000"/>
+                  <a:lumOff val="10000"/>
+                </a:schemeClr>
+              </a:solidFill>
+            </a:endParaRPr>
+          </a:p>
+          <a:p>
+            <a:pPr algn="l"/>
+            <a:r>
+              <a:rPr lang="en-US" sz="2400" dirty="0" smtClean="0">
+                <a:solidFill>
+                  <a:schemeClr val="tx2">
+                    <a:lumMod val="90000"/>
+                    <a:lumOff val="10000"/>
+                  </a:schemeClr>
+                </a:solidFill>
+              </a:rPr>
+              <a:t>	Dylan Williams		Quality Assurance</a:t>
+            </a:r>
+          </a:p>
+          <a:p>
+            <a:pPr algn="l"/>
+            <a:r>
+              <a:rPr lang="en-US" sz="2400" dirty="0" smtClean="0">
+                <a:solidFill>
+                  <a:schemeClr val="tx2">
+                    <a:lumMod val="90000"/>
+                    <a:lumOff val="10000"/>
+                  </a:schemeClr>
+                </a:solidFill>
+              </a:rPr>
+              <a:t>	Spencer Smith		Customer Proxy</a:t>
+            </a:r>
+          </a:p>
+          <a:p>
+            <a:pPr algn="l"/>
+            <a:r>
+              <a:rPr lang="en-US" sz="2400" dirty="0" smtClean="0">
+                <a:solidFill>
+                  <a:schemeClr val="tx2">
+                    <a:lumMod val="90000"/>
+                    <a:lumOff val="10000"/>
+                  </a:schemeClr>
+                </a:solidFill>
+              </a:rPr>
+              <a:t>	Nathan Reinhardt	Scrum Master</a:t>
+            </a:r>
+          </a:p>
+          <a:p>
+            <a:endParaRPr lang="en-US" sz="3600" b="1" u="sng" dirty="0" smtClean="0">
+              <a:solidFill>
+                <a:schemeClr val="tx2">
+                  <a:lumMod val="90000"/>
+                  <a:lumOff val="10000"/>
+                </a:schemeClr>
+              </a:solidFill>
+            </a:endParaRPr>
+          </a:p>
+          <a:p>
+            <a:r>
+              <a:rPr lang="en-US" sz="3600" b="1" u="sng" dirty="0" smtClean="0">
+                <a:solidFill>
+                  <a:schemeClr val="tx2">
+                    <a:lumMod val="90000"/>
+                    <a:lumOff val="10000"/>
+                  </a:schemeClr>
+                </a:solidFill>
+              </a:rPr>
+              <a:t>Client</a:t>
+            </a:r>
+          </a:p>
+          <a:p>
+            <a:endParaRPr lang="en-US" sz="3600" b="1" u="sng" dirty="0" smtClean="0">
+              <a:solidFill>
+                <a:schemeClr val="tx2">
+                  <a:lumMod val="90000"/>
+                  <a:lumOff val="10000"/>
+                </a:schemeClr>
+              </a:solidFill>
+            </a:endParaRPr>
+          </a:p>
+          <a:p>
+            <a:r>
+              <a:rPr lang="en-US" sz="2400" dirty="0" smtClean="0">
+                <a:solidFill>
+                  <a:schemeClr val="tx2">
+                    <a:lumMod val="90000"/>
+                    <a:lumOff val="10000"/>
+                  </a:schemeClr>
+                </a:solidFill>
+              </a:rPr>
+              <a:t>Dr. Igor </a:t>
+            </a:r>
+            <a:r>
+              <a:rPr lang="en-US" sz="2400" dirty="0" err="1" smtClean="0">
+                <a:solidFill>
+                  <a:schemeClr val="tx2">
+                    <a:lumMod val="90000"/>
+                    <a:lumOff val="10000"/>
+                  </a:schemeClr>
+                </a:solidFill>
+              </a:rPr>
+              <a:t>Crk</a:t>
+            </a:r>
+            <a:r>
+              <a:rPr lang="en-US" sz="2400" dirty="0" smtClean="0">
+                <a:solidFill>
+                  <a:schemeClr val="tx2">
+                    <a:lumMod val="90000"/>
+                    <a:lumOff val="10000"/>
+                  </a:schemeClr>
+                </a:solidFill>
+              </a:rPr>
+              <a:t/>
+            </a:r>
+            <a:br>
+              <a:rPr lang="en-US" sz="2400" dirty="0" smtClean="0">
+                <a:solidFill>
+                  <a:schemeClr val="tx2">
+                    <a:lumMod val="90000"/>
+                    <a:lumOff val="10000"/>
+                  </a:schemeClr>
+                </a:solidFill>
+              </a:rPr>
+            </a:br>
+            <a:r>
+              <a:rPr lang="en-US" sz="2400" dirty="0" smtClean="0">
+                <a:solidFill>
+                  <a:schemeClr val="tx2">
+                    <a:lumMod val="90000"/>
+                    <a:lumOff val="10000"/>
+                  </a:schemeClr>
+                </a:solidFill>
+              </a:rPr>
+              <a:t>Southern Illinois University Edwardsville</a:t>
+            </a:r>
+            <a:br>
+              <a:rPr lang="en-US" sz="2400" dirty="0" smtClean="0">
+                <a:solidFill>
+                  <a:schemeClr val="tx2">
+                    <a:lumMod val="90000"/>
+                    <a:lumOff val="10000"/>
+                  </a:schemeClr>
+                </a:solidFill>
+              </a:rPr>
+            </a:br>
+            <a:r>
+              <a:rPr lang="en-US" sz="2400" dirty="0" smtClean="0">
+                <a:solidFill>
+                  <a:schemeClr val="tx2">
+                    <a:lumMod val="90000"/>
+                    <a:lumOff val="10000"/>
+                  </a:schemeClr>
+                </a:solidFill>
+              </a:rPr>
+              <a:t>Department of Computer Science</a:t>
+            </a:r>
+            <a:br>
+              <a:rPr lang="en-US" sz="2400" dirty="0" smtClean="0">
+                <a:solidFill>
+                  <a:schemeClr val="tx2">
+                    <a:lumMod val="90000"/>
+                    <a:lumOff val="10000"/>
+                  </a:schemeClr>
+                </a:solidFill>
+              </a:rPr>
+            </a:br>
+            <a:r>
+              <a:rPr lang="en-US" sz="2400" dirty="0" smtClean="0">
+                <a:solidFill>
+                  <a:schemeClr val="tx2">
+                    <a:lumMod val="90000"/>
+                    <a:lumOff val="10000"/>
+                  </a:schemeClr>
+                </a:solidFill>
+              </a:rPr>
+              <a:t>Edwardsville, IL 62026-1656</a:t>
+            </a:r>
+          </a:p>
+          <a:p>
+            <a:endParaRPr lang="en-US" sz="3600" b="1" u="sng" dirty="0">
+              <a:solidFill>
+                <a:schemeClr val="tx2">
+                  <a:lumMod val="90000"/>
+                  <a:lumOff val="10000"/>
+                </a:schemeClr>
+              </a:solidFill>
+            </a:endParaRPr>
           </a:p>
         </p:txBody>
       </p:sp>
@@ -3526,6 +4746,18 @@
   <p:clrMapOvr>
     <a:masterClrMapping/>
   </p:clrMapOvr>
+  <mc:AlternateContent xmlns:mc="http://schemas.openxmlformats.org/markup-compatibility/2006" xmlns:p14="http://schemas.microsoft.com/office/powerpoint/2010/main">
+    <mc:Choice Requires="p14">
+      <p:transition spd="med" p14:dur="700">
+        <p:fade/>
+      </p:transition>
+    </mc:Choice>
+    <mc:Fallback xmlns="">
+      <p:transition spd="med">
+        <p:fade/>
+      </p:transition>
+    </mc:Fallback>
+  </mc:AlternateContent>
 </p:sld>
 </file>
 
@@ -3582,7 +4814,7 @@
         <p:spPr/>
         <p:txBody>
           <a:bodyPr>
-            <a:normAutofit lnSpcReduction="10000"/>
+            <a:normAutofit/>
           </a:bodyPr>
           <a:lstStyle/>
           <a:p>
@@ -3712,6 +4944,29 @@
             <a:fld id="{04C23D7F-32AA-4032-9BE0-41E1EC08D48C}" type="slidenum">
               <a:rPr lang="en-US" smtClean="0"/>
               <a:t>2</a:t>
+            </a:fld>
+            <a:endParaRPr lang="en-US"/>
+          </a:p>
+        </p:txBody>
+      </p:sp>
+      <p:sp>
+        <p:nvSpPr>
+          <p:cNvPr id="4" name="Date Placeholder 3"/>
+          <p:cNvSpPr>
+            <a:spLocks noGrp="1"/>
+          </p:cNvSpPr>
+          <p:nvPr>
+            <p:ph type="dt" sz="half" idx="10"/>
+          </p:nvPr>
+        </p:nvSpPr>
+        <p:spPr/>
+        <p:txBody>
+          <a:bodyPr/>
+          <a:lstStyle/>
+          <a:p>
+            <a:fld id="{7DE74677-59AC-4F56-833E-34FC2F0E6F76}" type="datetime1">
+              <a:rPr lang="en-US" smtClean="0"/>
+              <a:t>02/29/2016</a:t>
             </a:fld>
             <a:endParaRPr lang="en-US"/>
           </a:p>
@@ -3727,6 +4982,18 @@
   <p:clrMapOvr>
     <a:masterClrMapping/>
   </p:clrMapOvr>
+  <mc:AlternateContent xmlns:mc="http://schemas.openxmlformats.org/markup-compatibility/2006" xmlns:p14="http://schemas.microsoft.com/office/powerpoint/2010/main">
+    <mc:Choice Requires="p14">
+      <p:transition spd="med" p14:dur="700">
+        <p:fade/>
+      </p:transition>
+    </mc:Choice>
+    <mc:Fallback xmlns="">
+      <p:transition spd="med">
+        <p:fade/>
+      </p:transition>
+    </mc:Fallback>
+  </mc:AlternateContent>
 </p:sld>
 </file>
 
@@ -3747,52 +5014,6 @@
           <a:chExt cx="0" cy="0"/>
         </a:xfrm>
       </p:grpSpPr>
-      <p:sp>
-        <p:nvSpPr>
-          <p:cNvPr id="4" name="Footer Placeholder 3"/>
-          <p:cNvSpPr>
-            <a:spLocks noGrp="1"/>
-          </p:cNvSpPr>
-          <p:nvPr>
-            <p:ph type="ftr" sz="quarter" idx="11"/>
-          </p:nvPr>
-        </p:nvSpPr>
-        <p:spPr/>
-        <p:txBody>
-          <a:bodyPr/>
-          <a:lstStyle/>
-          <a:p>
-            <a:r>
-              <a:rPr lang="en-US" smtClean="0"/>
-              <a:t>Team Hotspotter</a:t>
-            </a:r>
-            <a:endParaRPr lang="en-US"/>
-          </a:p>
-        </p:txBody>
-      </p:sp>
-      <p:sp>
-        <p:nvSpPr>
-          <p:cNvPr id="5" name="Slide Number Placeholder 4"/>
-          <p:cNvSpPr>
-            <a:spLocks noGrp="1"/>
-          </p:cNvSpPr>
-          <p:nvPr>
-            <p:ph type="sldNum" sz="quarter" idx="12"/>
-          </p:nvPr>
-        </p:nvSpPr>
-        <p:spPr/>
-        <p:txBody>
-          <a:bodyPr/>
-          <a:lstStyle/>
-          <a:p>
-            <a:fld id="{04C23D7F-32AA-4032-9BE0-41E1EC08D48C}" type="slidenum">
-              <a:rPr lang="en-US" smtClean="0"/>
-              <a:t>3</a:t>
-            </a:fld>
-            <a:endParaRPr lang="en-US"/>
-          </a:p>
-        </p:txBody>
-      </p:sp>
       <p:pic>
         <p:nvPicPr>
           <p:cNvPr id="6" name="Content Placeholder 5" descr="C:\Users\Dylan\Downloads\new_architecture.png"/>
@@ -3830,6 +5051,75 @@
           </a:ln>
         </p:spPr>
       </p:pic>
+      <p:sp>
+        <p:nvSpPr>
+          <p:cNvPr id="4" name="Footer Placeholder 3"/>
+          <p:cNvSpPr>
+            <a:spLocks noGrp="1"/>
+          </p:cNvSpPr>
+          <p:nvPr>
+            <p:ph type="ftr" sz="quarter" idx="11"/>
+          </p:nvPr>
+        </p:nvSpPr>
+        <p:spPr/>
+        <p:txBody>
+          <a:bodyPr/>
+          <a:lstStyle/>
+          <a:p>
+            <a:r>
+              <a:rPr lang="en-US" smtClean="0"/>
+              <a:t>Team Hotspotter</a:t>
+            </a:r>
+            <a:endParaRPr lang="en-US"/>
+          </a:p>
+        </p:txBody>
+      </p:sp>
+      <p:sp>
+        <p:nvSpPr>
+          <p:cNvPr id="5" name="Slide Number Placeholder 4"/>
+          <p:cNvSpPr>
+            <a:spLocks noGrp="1"/>
+          </p:cNvSpPr>
+          <p:nvPr>
+            <p:ph type="sldNum" sz="quarter" idx="12"/>
+          </p:nvPr>
+        </p:nvSpPr>
+        <p:spPr/>
+        <p:txBody>
+          <a:bodyPr/>
+          <a:lstStyle/>
+          <a:p>
+            <a:fld id="{04C23D7F-32AA-4032-9BE0-41E1EC08D48C}" type="slidenum">
+              <a:rPr lang="en-US" smtClean="0"/>
+              <a:t>3</a:t>
+            </a:fld>
+            <a:endParaRPr lang="en-US"/>
+          </a:p>
+        </p:txBody>
+      </p:sp>
+      <p:sp>
+        <p:nvSpPr>
+          <p:cNvPr id="2" name="Date Placeholder 1"/>
+          <p:cNvSpPr>
+            <a:spLocks noGrp="1"/>
+          </p:cNvSpPr>
+          <p:nvPr>
+            <p:ph type="dt" sz="half" idx="10"/>
+          </p:nvPr>
+        </p:nvSpPr>
+        <p:spPr/>
+        <p:txBody>
+          <a:bodyPr/>
+          <a:lstStyle/>
+          <a:p>
+            <a:fld id="{BF58275D-7F55-4BA3-8E39-B8BCFDD41A5F}" type="datetime1">
+              <a:rPr lang="en-US" smtClean="0"/>
+              <a:t>02/29/2016</a:t>
+            </a:fld>
+            <a:endParaRPr lang="en-US"/>
+          </a:p>
+        </p:txBody>
+      </p:sp>
     </p:spTree>
     <p:extLst>
       <p:ext uri="{BB962C8B-B14F-4D97-AF65-F5344CB8AC3E}">
@@ -3840,6 +5130,18 @@
   <p:clrMapOvr>
     <a:masterClrMapping/>
   </p:clrMapOvr>
+  <mc:AlternateContent xmlns:mc="http://schemas.openxmlformats.org/markup-compatibility/2006" xmlns:p14="http://schemas.microsoft.com/office/powerpoint/2010/main">
+    <mc:Choice Requires="p14">
+      <p:transition spd="med" p14:dur="700">
+        <p:fade/>
+      </p:transition>
+    </mc:Choice>
+    <mc:Fallback xmlns="">
+      <p:transition spd="med">
+        <p:fade/>
+      </p:transition>
+    </mc:Fallback>
+  </mc:AlternateContent>
 </p:sld>
 </file>
 
@@ -3885,25 +5187,6 @@
       </p:sp>
       <p:sp>
         <p:nvSpPr>
-          <p:cNvPr id="3" name="Text Placeholder 2"/>
-          <p:cNvSpPr>
-            <a:spLocks noGrp="1"/>
-          </p:cNvSpPr>
-          <p:nvPr>
-            <p:ph type="body" idx="1"/>
-          </p:nvPr>
-        </p:nvSpPr>
-        <p:spPr/>
-        <p:txBody>
-          <a:bodyPr/>
-          <a:lstStyle/>
-          <a:p>
-            <a:endParaRPr lang="en-US" dirty="0"/>
-          </a:p>
-        </p:txBody>
-      </p:sp>
-      <p:sp>
-        <p:nvSpPr>
           <p:cNvPr id="4" name="Footer Placeholder 3"/>
           <p:cNvSpPr>
             <a:spLocks noGrp="1"/>
@@ -3943,6 +5226,29 @@
             <a:fld id="{04C23D7F-32AA-4032-9BE0-41E1EC08D48C}" type="slidenum">
               <a:rPr lang="en-US" smtClean="0"/>
               <a:t>4</a:t>
+            </a:fld>
+            <a:endParaRPr lang="en-US"/>
+          </a:p>
+        </p:txBody>
+      </p:sp>
+      <p:sp>
+        <p:nvSpPr>
+          <p:cNvPr id="6" name="Date Placeholder 5"/>
+          <p:cNvSpPr>
+            <a:spLocks noGrp="1"/>
+          </p:cNvSpPr>
+          <p:nvPr>
+            <p:ph type="dt" sz="half" idx="10"/>
+          </p:nvPr>
+        </p:nvSpPr>
+        <p:spPr/>
+        <p:txBody>
+          <a:bodyPr/>
+          <a:lstStyle/>
+          <a:p>
+            <a:fld id="{D109BF93-D652-49CC-9036-83D4693C1EE7}" type="datetime1">
+              <a:rPr lang="en-US" smtClean="0"/>
+              <a:t>02/29/2016</a:t>
             </a:fld>
             <a:endParaRPr lang="en-US"/>
           </a:p>
@@ -3958,6 +5264,18 @@
   <p:clrMapOvr>
     <a:masterClrMapping/>
   </p:clrMapOvr>
+  <mc:AlternateContent xmlns:mc="http://schemas.openxmlformats.org/markup-compatibility/2006" xmlns:p14="http://schemas.microsoft.com/office/powerpoint/2010/main">
+    <mc:Choice Requires="p14">
+      <p:transition spd="med" p14:dur="700">
+        <p:fade/>
+      </p:transition>
+    </mc:Choice>
+    <mc:Fallback xmlns="">
+      <p:transition spd="med">
+        <p:fade/>
+      </p:transition>
+    </mc:Fallback>
+  </mc:AlternateContent>
 </p:sld>
 </file>
 
@@ -4110,6 +5428,29 @@
           </a:p>
         </p:txBody>
       </p:sp>
+      <p:sp>
+        <p:nvSpPr>
+          <p:cNvPr id="6" name="Date Placeholder 5"/>
+          <p:cNvSpPr>
+            <a:spLocks noGrp="1"/>
+          </p:cNvSpPr>
+          <p:nvPr>
+            <p:ph type="dt" sz="half" idx="10"/>
+          </p:nvPr>
+        </p:nvSpPr>
+        <p:spPr/>
+        <p:txBody>
+          <a:bodyPr/>
+          <a:lstStyle/>
+          <a:p>
+            <a:fld id="{E0967C88-711E-461F-91AF-97761B69E9C5}" type="datetime1">
+              <a:rPr lang="en-US" smtClean="0"/>
+              <a:t>02/29/2016</a:t>
+            </a:fld>
+            <a:endParaRPr lang="en-US"/>
+          </a:p>
+        </p:txBody>
+      </p:sp>
     </p:spTree>
     <p:extLst>
       <p:ext uri="{BB962C8B-B14F-4D97-AF65-F5344CB8AC3E}">
@@ -4120,6 +5461,18 @@
   <p:clrMapOvr>
     <a:masterClrMapping/>
   </p:clrMapOvr>
+  <mc:AlternateContent xmlns:mc="http://schemas.openxmlformats.org/markup-compatibility/2006" xmlns:p14="http://schemas.microsoft.com/office/powerpoint/2010/main">
+    <mc:Choice Requires="p14">
+      <p:transition spd="med" p14:dur="700">
+        <p:fade/>
+      </p:transition>
+    </mc:Choice>
+    <mc:Fallback xmlns="">
+      <p:transition spd="med">
+        <p:fade/>
+      </p:transition>
+    </mc:Fallback>
+  </mc:AlternateContent>
 </p:sld>
 </file>
 
@@ -4150,7 +5503,12 @@
             <p:ph type="title"/>
           </p:nvPr>
         </p:nvSpPr>
-        <p:spPr/>
+        <p:spPr>
+          <a:xfrm>
+            <a:off x="874847" y="275937"/>
+            <a:ext cx="9784080" cy="1508760"/>
+          </a:xfrm>
+        </p:spPr>
         <p:txBody>
           <a:bodyPr/>
           <a:lstStyle/>
@@ -4165,25 +5523,6 @@
       </p:sp>
       <p:sp>
         <p:nvSpPr>
-          <p:cNvPr id="3" name="Content Placeholder 2"/>
-          <p:cNvSpPr>
-            <a:spLocks noGrp="1"/>
-          </p:cNvSpPr>
-          <p:nvPr>
-            <p:ph idx="1"/>
-          </p:nvPr>
-        </p:nvSpPr>
-        <p:spPr/>
-        <p:txBody>
-          <a:bodyPr/>
-          <a:lstStyle/>
-          <a:p>
-            <a:endParaRPr lang="en-US" dirty="0" smtClean="0"/>
-          </a:p>
-        </p:txBody>
-      </p:sp>
-      <p:sp>
-        <p:nvSpPr>
           <p:cNvPr id="4" name="Footer Placeholder 3"/>
           <p:cNvSpPr>
             <a:spLocks noGrp="1"/>
@@ -4223,6 +5562,29 @@
             <a:fld id="{04C23D7F-32AA-4032-9BE0-41E1EC08D48C}" type="slidenum">
               <a:rPr lang="en-US" smtClean="0"/>
               <a:t>6</a:t>
+            </a:fld>
+            <a:endParaRPr lang="en-US"/>
+          </a:p>
+        </p:txBody>
+      </p:sp>
+      <p:sp>
+        <p:nvSpPr>
+          <p:cNvPr id="6" name="Date Placeholder 5"/>
+          <p:cNvSpPr>
+            <a:spLocks noGrp="1"/>
+          </p:cNvSpPr>
+          <p:nvPr>
+            <p:ph type="dt" sz="half" idx="10"/>
+          </p:nvPr>
+        </p:nvSpPr>
+        <p:spPr/>
+        <p:txBody>
+          <a:bodyPr/>
+          <a:lstStyle/>
+          <a:p>
+            <a:fld id="{124D778F-FAB0-4C51-A351-ADBB3465D596}" type="datetime1">
+              <a:rPr lang="en-US" smtClean="0"/>
+              <a:t>02/29/2016</a:t>
             </a:fld>
             <a:endParaRPr lang="en-US"/>
           </a:p>
@@ -4238,13 +5600,25 @@
   <p:clrMapOvr>
     <a:masterClrMapping/>
   </p:clrMapOvr>
+  <mc:AlternateContent xmlns:mc="http://schemas.openxmlformats.org/markup-compatibility/2006" xmlns:p14="http://schemas.microsoft.com/office/powerpoint/2010/main">
+    <mc:Choice Requires="p14">
+      <p:transition spd="med" p14:dur="700">
+        <p:fade/>
+      </p:transition>
+    </mc:Choice>
+    <mc:Fallback xmlns="">
+      <p:transition spd="med">
+        <p:fade/>
+      </p:transition>
+    </mc:Fallback>
+  </mc:AlternateContent>
 </p:sld>
 </file>
 
 <file path=ppt/theme/theme1.xml><?xml version="1.0" encoding="utf-8"?>
-<a:theme xmlns:a="http://schemas.openxmlformats.org/drawingml/2006/main" name="Office Theme">
+<a:theme xmlns:a="http://schemas.openxmlformats.org/drawingml/2006/main" name="Banded">
   <a:themeElements>
-    <a:clrScheme name="Office">
+    <a:clrScheme name="Aspect">
       <a:dk1>
         <a:sysClr val="windowText" lastClr="000000"/>
       </a:dk1>
@@ -4252,83 +5626,48 @@
         <a:sysClr val="window" lastClr="FFFFFF"/>
       </a:lt1>
       <a:dk2>
-        <a:srgbClr val="44546A"/>
+        <a:srgbClr val="323232"/>
       </a:dk2>
       <a:lt2>
-        <a:srgbClr val="E7E6E6"/>
+        <a:srgbClr val="E3DED1"/>
       </a:lt2>
       <a:accent1>
-        <a:srgbClr val="5B9BD5"/>
+        <a:srgbClr val="F07F09"/>
       </a:accent1>
       <a:accent2>
-        <a:srgbClr val="ED7D31"/>
+        <a:srgbClr val="9F2936"/>
       </a:accent2>
       <a:accent3>
-        <a:srgbClr val="A5A5A5"/>
+        <a:srgbClr val="1B587C"/>
       </a:accent3>
       <a:accent4>
-        <a:srgbClr val="FFC000"/>
+        <a:srgbClr val="4E8542"/>
       </a:accent4>
       <a:accent5>
-        <a:srgbClr val="4472C4"/>
+        <a:srgbClr val="604878"/>
       </a:accent5>
       <a:accent6>
-        <a:srgbClr val="70AD47"/>
+        <a:srgbClr val="C19859"/>
       </a:accent6>
       <a:hlink>
-        <a:srgbClr val="0563C1"/>
+        <a:srgbClr val="6B9F25"/>
       </a:hlink>
       <a:folHlink>
-        <a:srgbClr val="954F72"/>
+        <a:srgbClr val="B26B02"/>
       </a:folHlink>
     </a:clrScheme>
-    <a:fontScheme name="Office">
+    <a:fontScheme name="Banded">
       <a:majorFont>
-        <a:latin typeface="Calibri Light" panose="020F0302020204030204"/>
+        <a:latin typeface="Corbel" panose="020B0503020204020204"/>
         <a:ea typeface=""/>
         <a:cs typeface=""/>
-        <a:font script="Jpan" typeface="ＭＳ Ｐゴシック"/>
+        <a:font script="Jpan" typeface="ＭＳ ゴシック"/>
         <a:font script="Hang" typeface="맑은 고딕"/>
         <a:font script="Hans" typeface="宋体"/>
         <a:font script="Hant" typeface="新細明體"/>
-        <a:font script="Arab" typeface="Times New Roman"/>
-        <a:font script="Hebr" typeface="Times New Roman"/>
-        <a:font script="Thai" typeface="Angsana New"/>
-        <a:font script="Ethi" typeface="Nyala"/>
-        <a:font script="Beng" typeface="Vrinda"/>
-        <a:font script="Gujr" typeface="Shruti"/>
-        <a:font script="Khmr" typeface="MoolBoran"/>
-        <a:font script="Knda" typeface="Tunga"/>
-        <a:font script="Guru" typeface="Raavi"/>
-        <a:font script="Cans" typeface="Euphemia"/>
-        <a:font script="Cher" typeface="Plantagenet Cherokee"/>
-        <a:font script="Yiii" typeface="Microsoft Yi Baiti"/>
-        <a:font script="Tibt" typeface="Microsoft Himalaya"/>
-        <a:font script="Thaa" typeface="MV Boli"/>
-        <a:font script="Deva" typeface="Mangal"/>
-        <a:font script="Telu" typeface="Gautami"/>
-        <a:font script="Taml" typeface="Latha"/>
-        <a:font script="Syrc" typeface="Estrangelo Edessa"/>
-        <a:font script="Orya" typeface="Kalinga"/>
-        <a:font script="Mlym" typeface="Kartika"/>
-        <a:font script="Laoo" typeface="DokChampa"/>
-        <a:font script="Sinh" typeface="Iskoola Pota"/>
-        <a:font script="Mong" typeface="Mongolian Baiti"/>
-        <a:font script="Viet" typeface="Times New Roman"/>
-        <a:font script="Uigh" typeface="Microsoft Uighur"/>
-        <a:font script="Geor" typeface="Sylfaen"/>
-      </a:majorFont>
-      <a:minorFont>
-        <a:latin typeface="Calibri" panose="020F0502020204030204"/>
-        <a:ea typeface=""/>
-        <a:cs typeface=""/>
-        <a:font script="Jpan" typeface="ＭＳ Ｐゴシック"/>
-        <a:font script="Hang" typeface="맑은 고딕"/>
-        <a:font script="Hans" typeface="宋体"/>
-        <a:font script="Hant" typeface="新細明體"/>
-        <a:font script="Arab" typeface="Arial"/>
-        <a:font script="Hebr" typeface="Arial"/>
-        <a:font script="Thai" typeface="Cordia New"/>
+        <a:font script="Arab" typeface="Tahoma"/>
+        <a:font script="Hebr" typeface="Gisha"/>
+        <a:font script="Thai" typeface="DilleniaUPC"/>
         <a:font script="Ethi" typeface="Nyala"/>
         <a:font script="Beng" typeface="Vrinda"/>
         <a:font script="Gujr" typeface="Shruti"/>
@@ -4349,12 +5688,47 @@
         <a:font script="Laoo" typeface="DokChampa"/>
         <a:font script="Sinh" typeface="Iskoola Pota"/>
         <a:font script="Mong" typeface="Mongolian Baiti"/>
-        <a:font script="Viet" typeface="Arial"/>
+        <a:font script="Viet" typeface="Tahoma"/>
+        <a:font script="Uigh" typeface="Microsoft Uighur"/>
+        <a:font script="Geor" typeface="Sylfaen"/>
+      </a:majorFont>
+      <a:minorFont>
+        <a:latin typeface="Corbel" panose="020B0503020204020204"/>
+        <a:ea typeface=""/>
+        <a:cs typeface=""/>
+        <a:font script="Jpan" typeface="ＭＳ ゴシック"/>
+        <a:font script="Hang" typeface="맑은 고딕"/>
+        <a:font script="Hans" typeface="宋体"/>
+        <a:font script="Hant" typeface="新細明體"/>
+        <a:font script="Arab" typeface="Tahoma"/>
+        <a:font script="Hebr" typeface="Gisha"/>
+        <a:font script="Thai" typeface="DilleniaUPC"/>
+        <a:font script="Ethi" typeface="Nyala"/>
+        <a:font script="Beng" typeface="Vrinda"/>
+        <a:font script="Gujr" typeface="Shruti"/>
+        <a:font script="Khmr" typeface="DaunPenh"/>
+        <a:font script="Knda" typeface="Tunga"/>
+        <a:font script="Guru" typeface="Raavi"/>
+        <a:font script="Cans" typeface="Euphemia"/>
+        <a:font script="Cher" typeface="Plantagenet Cherokee"/>
+        <a:font script="Yiii" typeface="Microsoft Yi Baiti"/>
+        <a:font script="Tibt" typeface="Microsoft Himalaya"/>
+        <a:font script="Thaa" typeface="MV Boli"/>
+        <a:font script="Deva" typeface="Mangal"/>
+        <a:font script="Telu" typeface="Gautami"/>
+        <a:font script="Taml" typeface="Latha"/>
+        <a:font script="Syrc" typeface="Estrangelo Edessa"/>
+        <a:font script="Orya" typeface="Kalinga"/>
+        <a:font script="Mlym" typeface="Kartika"/>
+        <a:font script="Laoo" typeface="DokChampa"/>
+        <a:font script="Sinh" typeface="Iskoola Pota"/>
+        <a:font script="Mong" typeface="Mongolian Baiti"/>
+        <a:font script="Viet" typeface="Verdana"/>
         <a:font script="Uigh" typeface="Microsoft Uighur"/>
         <a:font script="Geor" typeface="Sylfaen"/>
       </a:minorFont>
     </a:fontScheme>
-    <a:fmtScheme name="Office">
+    <a:fmtScheme name="Banded">
       <a:fillStyleLst>
         <a:solidFill>
           <a:schemeClr val="phClr"/>
@@ -4363,23 +5737,23 @@
           <a:gsLst>
             <a:gs pos="0">
               <a:schemeClr val="phClr">
-                <a:lumMod val="110000"/>
-                <a:satMod val="105000"/>
-                <a:tint val="67000"/>
+                <a:tint val="65000"/>
+                <a:satMod val="120000"/>
+                <a:lumMod val="107000"/>
               </a:schemeClr>
             </a:gs>
             <a:gs pos="50000">
               <a:schemeClr val="phClr">
-                <a:lumMod val="105000"/>
-                <a:satMod val="103000"/>
-                <a:tint val="73000"/>
+                <a:tint val="70000"/>
+                <a:satMod val="124000"/>
+                <a:lumMod val="103000"/>
               </a:schemeClr>
             </a:gs>
             <a:gs pos="100000">
               <a:schemeClr val="phClr">
-                <a:lumMod val="105000"/>
-                <a:satMod val="109000"/>
-                <a:tint val="81000"/>
+                <a:tint val="85000"/>
+                <a:satMod val="120000"/>
+                <a:lumMod val="100000"/>
               </a:schemeClr>
             </a:gs>
           </a:gsLst>
@@ -4389,23 +5763,24 @@
           <a:gsLst>
             <a:gs pos="0">
               <a:schemeClr val="phClr">
-                <a:satMod val="103000"/>
-                <a:lumMod val="102000"/>
-                <a:tint val="94000"/>
+                <a:tint val="85000"/>
+                <a:shade val="98000"/>
+                <a:satMod val="110000"/>
+                <a:lumMod val="103000"/>
               </a:schemeClr>
             </a:gs>
             <a:gs pos="50000">
               <a:schemeClr val="phClr">
-                <a:satMod val="110000"/>
+                <a:shade val="85000"/>
+                <a:satMod val="105000"/>
                 <a:lumMod val="100000"/>
-                <a:shade val="100000"/>
               </a:schemeClr>
             </a:gs>
             <a:gs pos="100000">
               <a:schemeClr val="phClr">
-                <a:lumMod val="99000"/>
+                <a:shade val="60000"/>
                 <a:satMod val="120000"/>
-                <a:shade val="78000"/>
+                <a:lumMod val="100000"/>
               </a:schemeClr>
             </a:gs>
           </a:gsLst>
@@ -4413,26 +5788,23 @@
         </a:gradFill>
       </a:fillStyleLst>
       <a:lnStyleLst>
-        <a:ln w="6350" cap="flat" cmpd="sng" algn="ctr">
+        <a:ln w="9525" cap="flat" cmpd="sng" algn="ctr">
           <a:solidFill>
             <a:schemeClr val="phClr"/>
           </a:solidFill>
           <a:prstDash val="solid"/>
-          <a:miter lim="800000"/>
         </a:ln>
         <a:ln w="12700" cap="flat" cmpd="sng" algn="ctr">
           <a:solidFill>
             <a:schemeClr val="phClr"/>
           </a:solidFill>
           <a:prstDash val="solid"/>
-          <a:miter lim="800000"/>
         </a:ln>
-        <a:ln w="19050" cap="flat" cmpd="sng" algn="ctr">
+        <a:ln w="25400" cap="flat" cmpd="sng" algn="ctr">
           <a:solidFill>
             <a:schemeClr val="phClr"/>
           </a:solidFill>
           <a:prstDash val="solid"/>
-          <a:miter lim="800000"/>
         </a:ln>
       </a:lnStyleLst>
       <a:effectStyleLst>
@@ -4440,11 +5812,17 @@
           <a:effectLst/>
         </a:effectStyle>
         <a:effectStyle>
-          <a:effectLst/>
+          <a:effectLst>
+            <a:outerShdw blurRad="50800" dist="15875" dir="5400000" algn="ctr" rotWithShape="0">
+              <a:srgbClr val="000000">
+                <a:alpha val="68000"/>
+              </a:srgbClr>
+            </a:outerShdw>
+          </a:effectLst>
         </a:effectStyle>
         <a:effectStyle>
           <a:effectLst>
-            <a:outerShdw blurRad="57150" dist="19050" dir="5400000" algn="ctr" rotWithShape="0">
+            <a:outerShdw blurRad="88900" dist="27940" dir="5400000" algn="ctr" rotWithShape="0">
               <a:srgbClr val="000000">
                 <a:alpha val="63000"/>
               </a:srgbClr>
@@ -4456,34 +5834,31 @@
         <a:solidFill>
           <a:schemeClr val="phClr"/>
         </a:solidFill>
-        <a:solidFill>
-          <a:schemeClr val="phClr">
-            <a:tint val="95000"/>
-            <a:satMod val="170000"/>
-          </a:schemeClr>
-        </a:solidFill>
+        <a:blipFill rotWithShape="1">
+          <a:blip xmlns:r="http://schemas.openxmlformats.org/officeDocument/2006/relationships" r:embed="rId1">
+            <a:duotone>
+              <a:schemeClr val="phClr"/>
+              <a:schemeClr val="phClr">
+                <a:shade val="91000"/>
+                <a:satMod val="105000"/>
+              </a:schemeClr>
+            </a:duotone>
+          </a:blip>
+          <a:tile tx="0" ty="0" sx="100000" sy="100000" flip="none" algn="tl"/>
+        </a:blipFill>
         <a:gradFill rotWithShape="1">
           <a:gsLst>
             <a:gs pos="0">
               <a:schemeClr val="phClr">
-                <a:tint val="93000"/>
-                <a:satMod val="150000"/>
-                <a:shade val="98000"/>
-                <a:lumMod val="102000"/>
-              </a:schemeClr>
-            </a:gs>
-            <a:gs pos="50000">
-              <a:schemeClr val="phClr">
-                <a:tint val="98000"/>
-                <a:satMod val="130000"/>
-                <a:shade val="90000"/>
-                <a:lumMod val="103000"/>
+                <a:tint val="100000"/>
+                <a:shade val="0"/>
+                <a:satMod val="100000"/>
               </a:schemeClr>
             </a:gs>
             <a:gs pos="100000">
               <a:schemeClr val="phClr">
-                <a:shade val="63000"/>
-                <a:satMod val="120000"/>
+                <a:shade val="100000"/>
+                <a:satMod val="100000"/>
               </a:schemeClr>
             </a:gs>
           </a:gsLst>
@@ -4496,7 +5871,7 @@
   <a:extraClrSchemeLst/>
   <a:extLst>
     <a:ext uri="{05A4C25C-085E-4340-85A3-A5531E510DB2}">
-      <thm15:themeFamily xmlns:thm15="http://schemas.microsoft.com/office/thememl/2012/main" name="Office Theme" id="{62F939B6-93AF-4DB8-9C6B-D6C7DFDC589F}" vid="{4A3C46E8-61CC-4603-A589-7422A47A8E4A}"/>
+      <thm15:themeFamily xmlns:thm15="http://schemas.microsoft.com/office/thememl/2012/main" name="Banded" id="{98DFF888-2449-4D28-977C-6306C017633E}" vid="{B7CF026C-957E-4F4E-893C-D02C23AB6317}"/>
     </a:ext>
   </a:extLst>
 </a:theme>

--- a/Documentation/Presentations/Hotspotter Beta.pptx
+++ b/Documentation/Presentations/Hotspotter Beta.pptx
@@ -955,12 +955,12 @@
   <p:extLst mod="1">
     <p:ext uri="{DCECCB84-F9BA-43D5-87BE-67443E8EF086}">
       <p15:sldGuideLst xmlns:p15="http://schemas.microsoft.com/office/powerpoint/2012/main">
-        <p15:guide id="4294967295" orient="horz" pos="2160">
+        <p15:guide id="1" orient="horz" pos="2160">
           <p15:clr>
             <a:srgbClr val="FBAE40"/>
           </p15:clr>
         </p15:guide>
-        <p15:guide id="4294967295" pos="3839">
+        <p15:guide id="2" pos="3839">
           <p15:clr>
             <a:srgbClr val="FBAE40"/>
           </p15:clr>
@@ -5587,6 +5587,88 @@
               <a:t>02/29/2016</a:t>
             </a:fld>
             <a:endParaRPr lang="en-US"/>
+          </a:p>
+        </p:txBody>
+      </p:sp>
+      <p:sp>
+        <p:nvSpPr>
+          <p:cNvPr id="3" name="TextBox 2"/>
+          <p:cNvSpPr txBox="1"/>
+          <p:nvPr/>
+        </p:nvSpPr>
+        <p:spPr>
+          <a:xfrm>
+            <a:off x="980303" y="2726725"/>
+            <a:ext cx="8682681" cy="1754326"/>
+          </a:xfrm>
+          <a:prstGeom prst="rect">
+            <a:avLst/>
+          </a:prstGeom>
+          <a:noFill/>
+        </p:spPr>
+        <p:txBody>
+          <a:bodyPr wrap="square" rtlCol="0">
+            <a:spAutoFit/>
+          </a:bodyPr>
+          <a:lstStyle/>
+          <a:p>
+            <a:pPr marL="285750" indent="-285750">
+              <a:buFont typeface="Arial" panose="020B0604020202020204" pitchFamily="34" charset="0"/>
+              <a:buChar char="•"/>
+            </a:pPr>
+            <a:r>
+              <a:rPr lang="en-US" dirty="0" smtClean="0"/>
+              <a:t>Consult with Dr. </a:t>
+            </a:r>
+            <a:r>
+              <a:rPr lang="en-US" dirty="0" err="1" smtClean="0"/>
+              <a:t>Crk</a:t>
+            </a:r>
+            <a:r>
+              <a:rPr lang="en-US" dirty="0" smtClean="0"/>
+              <a:t> after a week of testing in his hands.</a:t>
+            </a:r>
+          </a:p>
+          <a:p>
+            <a:pPr marL="285750" indent="-285750">
+              <a:buFont typeface="Arial" panose="020B0604020202020204" pitchFamily="34" charset="0"/>
+              <a:buChar char="•"/>
+            </a:pPr>
+            <a:endParaRPr lang="en-US" dirty="0" smtClean="0"/>
+          </a:p>
+          <a:p>
+            <a:pPr marL="285750" indent="-285750">
+              <a:buFont typeface="Arial" panose="020B0604020202020204" pitchFamily="34" charset="0"/>
+              <a:buChar char="•"/>
+            </a:pPr>
+            <a:r>
+              <a:rPr lang="en-US" dirty="0" smtClean="0"/>
+              <a:t>Document any concerns.</a:t>
+            </a:r>
+          </a:p>
+          <a:p>
+            <a:pPr marL="285750" indent="-285750">
+              <a:buFont typeface="Arial" panose="020B0604020202020204" pitchFamily="34" charset="0"/>
+              <a:buChar char="•"/>
+            </a:pPr>
+            <a:endParaRPr lang="en-US" dirty="0" smtClean="0"/>
+          </a:p>
+          <a:p>
+            <a:pPr marL="285750" indent="-285750">
+              <a:buFont typeface="Arial" panose="020B0604020202020204" pitchFamily="34" charset="0"/>
+              <a:buChar char="•"/>
+            </a:pPr>
+            <a:r>
+              <a:rPr lang="en-US" dirty="0" smtClean="0"/>
+              <a:t>Address concerns during next sprint.</a:t>
+            </a:r>
+          </a:p>
+          <a:p>
+            <a:pPr marL="285750" indent="-285750">
+              <a:buFont typeface="Arial" panose="020B0604020202020204" pitchFamily="34" charset="0"/>
+              <a:buChar char="•"/>
+            </a:pPr>
+            <a:endParaRPr lang="en-US" dirty="0"/>
           </a:p>
         </p:txBody>
       </p:sp>
